--- a/Presentations/ML Neural Networks.pptx
+++ b/Presentations/ML Neural Networks.pptx
@@ -5,7 +5,7 @@
     <p:sldMasterId id="2147483648" r:id="rId1"/>
   </p:sldMasterIdLst>
   <p:notesMasterIdLst>
-    <p:notesMasterId r:id="rId17"/>
+    <p:notesMasterId r:id="rId18"/>
   </p:notesMasterIdLst>
   <p:sldIdLst>
     <p:sldId id="256" r:id="rId2"/>
@@ -23,6 +23,7 @@
     <p:sldId id="295" r:id="rId14"/>
     <p:sldId id="296" r:id="rId15"/>
     <p:sldId id="297" r:id="rId16"/>
+    <p:sldId id="298" r:id="rId17"/>
   </p:sldIdLst>
   <p:sldSz cx="9144000" cy="6858000" type="screen4x3"/>
   <p:notesSz cx="6858000" cy="9144000"/>
@@ -206,7 +207,7 @@
           <a:p>
             <a:fld id="{FAF957FC-5175-49AC-8D2B-2F056FFFC1DD}" type="datetimeFigureOut">
               <a:rPr lang="en-US" smtClean="0"/>
-              <a:t>8/17/2017</a:t>
+              <a:t>8/19/2017</a:t>
             </a:fld>
             <a:endParaRPr lang="en-US"/>
           </a:p>
@@ -656,7 +657,7 @@
             <a:fld id="{1D8BD707-D9CF-40AE-B4C6-C98DA3205C09}" type="datetimeFigureOut">
               <a:rPr lang="en-US" smtClean="0"/>
               <a:pPr/>
-              <a:t>8/17/2017</a:t>
+              <a:t>8/19/2017</a:t>
             </a:fld>
             <a:endParaRPr lang="en-US"/>
           </a:p>
@@ -823,7 +824,7 @@
             <a:fld id="{1D8BD707-D9CF-40AE-B4C6-C98DA3205C09}" type="datetimeFigureOut">
               <a:rPr lang="en-US" smtClean="0"/>
               <a:pPr/>
-              <a:t>8/17/2017</a:t>
+              <a:t>8/19/2017</a:t>
             </a:fld>
             <a:endParaRPr lang="en-US"/>
           </a:p>
@@ -1000,7 +1001,7 @@
             <a:fld id="{1D8BD707-D9CF-40AE-B4C6-C98DA3205C09}" type="datetimeFigureOut">
               <a:rPr lang="en-US" smtClean="0"/>
               <a:pPr/>
-              <a:t>8/17/2017</a:t>
+              <a:t>8/19/2017</a:t>
             </a:fld>
             <a:endParaRPr lang="en-US"/>
           </a:p>
@@ -1167,7 +1168,7 @@
             <a:fld id="{1D8BD707-D9CF-40AE-B4C6-C98DA3205C09}" type="datetimeFigureOut">
               <a:rPr lang="en-US" smtClean="0"/>
               <a:pPr/>
-              <a:t>8/17/2017</a:t>
+              <a:t>8/19/2017</a:t>
             </a:fld>
             <a:endParaRPr lang="en-US"/>
           </a:p>
@@ -1410,7 +1411,7 @@
             <a:fld id="{1D8BD707-D9CF-40AE-B4C6-C98DA3205C09}" type="datetimeFigureOut">
               <a:rPr lang="en-US" smtClean="0"/>
               <a:pPr/>
-              <a:t>8/17/2017</a:t>
+              <a:t>8/19/2017</a:t>
             </a:fld>
             <a:endParaRPr lang="en-US"/>
           </a:p>
@@ -1695,7 +1696,7 @@
             <a:fld id="{1D8BD707-D9CF-40AE-B4C6-C98DA3205C09}" type="datetimeFigureOut">
               <a:rPr lang="en-US" smtClean="0"/>
               <a:pPr/>
-              <a:t>8/17/2017</a:t>
+              <a:t>8/19/2017</a:t>
             </a:fld>
             <a:endParaRPr lang="en-US"/>
           </a:p>
@@ -2114,7 +2115,7 @@
             <a:fld id="{1D8BD707-D9CF-40AE-B4C6-C98DA3205C09}" type="datetimeFigureOut">
               <a:rPr lang="en-US" smtClean="0"/>
               <a:pPr/>
-              <a:t>8/17/2017</a:t>
+              <a:t>8/19/2017</a:t>
             </a:fld>
             <a:endParaRPr lang="en-US"/>
           </a:p>
@@ -2229,7 +2230,7 @@
             <a:fld id="{1D8BD707-D9CF-40AE-B4C6-C98DA3205C09}" type="datetimeFigureOut">
               <a:rPr lang="en-US" smtClean="0"/>
               <a:pPr/>
-              <a:t>8/17/2017</a:t>
+              <a:t>8/19/2017</a:t>
             </a:fld>
             <a:endParaRPr lang="en-US"/>
           </a:p>
@@ -2321,7 +2322,7 @@
             <a:fld id="{1D8BD707-D9CF-40AE-B4C6-C98DA3205C09}" type="datetimeFigureOut">
               <a:rPr lang="en-US" smtClean="0"/>
               <a:pPr/>
-              <a:t>8/17/2017</a:t>
+              <a:t>8/19/2017</a:t>
             </a:fld>
             <a:endParaRPr lang="en-US"/>
           </a:p>
@@ -2595,7 +2596,7 @@
             <a:fld id="{1D8BD707-D9CF-40AE-B4C6-C98DA3205C09}" type="datetimeFigureOut">
               <a:rPr lang="en-US" smtClean="0"/>
               <a:pPr/>
-              <a:t>8/17/2017</a:t>
+              <a:t>8/19/2017</a:t>
             </a:fld>
             <a:endParaRPr lang="en-US"/>
           </a:p>
@@ -2845,7 +2846,7 @@
             <a:fld id="{1D8BD707-D9CF-40AE-B4C6-C98DA3205C09}" type="datetimeFigureOut">
               <a:rPr lang="en-US" smtClean="0"/>
               <a:pPr/>
-              <a:t>8/17/2017</a:t>
+              <a:t>8/19/2017</a:t>
             </a:fld>
             <a:endParaRPr lang="en-US"/>
           </a:p>
@@ -3055,7 +3056,7 @@
             <a:fld id="{1D8BD707-D9CF-40AE-B4C6-C98DA3205C09}" type="datetimeFigureOut">
               <a:rPr lang="en-US" smtClean="0"/>
               <a:pPr/>
-              <a:t>8/17/2017</a:t>
+              <a:t>8/19/2017</a:t>
             </a:fld>
             <a:endParaRPr lang="en-US"/>
           </a:p>
@@ -8947,8 +8948,8 @@
           </a:fontRef>
         </p:style>
       </p:cxnSp>
-      <mc:AlternateContent xmlns:mc="http://schemas.openxmlformats.org/markup-compatibility/2006">
-        <mc:Choice xmlns:a14="http://schemas.microsoft.com/office/drawing/2010/main" Requires="a14">
+      <mc:AlternateContent xmlns:mc="http://schemas.openxmlformats.org/markup-compatibility/2006" xmlns:a14="http://schemas.microsoft.com/office/drawing/2010/main">
+        <mc:Choice Requires="a14">
           <p:sp>
             <p:nvSpPr>
               <p:cNvPr id="15" name="TextBox 14"/>
@@ -9045,7 +9046,7 @@
             </p:txBody>
           </p:sp>
         </mc:Choice>
-        <mc:Fallback>
+        <mc:Fallback xmlns="">
           <p:sp>
             <p:nvSpPr>
               <p:cNvPr id="15" name="TextBox 14"/>
@@ -10962,8 +10963,8 @@
           </a:p>
         </p:txBody>
       </p:sp>
-      <mc:AlternateContent xmlns:mc="http://schemas.openxmlformats.org/markup-compatibility/2006">
-        <mc:Choice xmlns:a14="http://schemas.microsoft.com/office/drawing/2010/main" Requires="a14">
+      <mc:AlternateContent xmlns:mc="http://schemas.openxmlformats.org/markup-compatibility/2006" xmlns:a14="http://schemas.microsoft.com/office/drawing/2010/main">
+        <mc:Choice Requires="a14">
           <p:sp>
             <p:nvSpPr>
               <p:cNvPr id="107" name="TextBox 106"/>
@@ -11060,7 +11061,7 @@
             </p:txBody>
           </p:sp>
         </mc:Choice>
-        <mc:Fallback>
+        <mc:Fallback xmlns="">
           <p:sp>
             <p:nvSpPr>
               <p:cNvPr id="107" name="TextBox 106"/>
@@ -13667,8 +13668,8 @@
           </a:p>
         </p:txBody>
       </p:sp>
-      <mc:AlternateContent xmlns:mc="http://schemas.openxmlformats.org/markup-compatibility/2006">
-        <mc:Choice xmlns:a14="http://schemas.microsoft.com/office/drawing/2010/main" Requires="a14">
+      <mc:AlternateContent xmlns:mc="http://schemas.openxmlformats.org/markup-compatibility/2006" xmlns:a14="http://schemas.microsoft.com/office/drawing/2010/main">
+        <mc:Choice Requires="a14">
           <p:sp>
             <p:nvSpPr>
               <p:cNvPr id="107" name="TextBox 106"/>
@@ -13765,7 +13766,7 @@
             </p:txBody>
           </p:sp>
         </mc:Choice>
-        <mc:Fallback>
+        <mc:Fallback xmlns="">
           <p:sp>
             <p:nvSpPr>
               <p:cNvPr id="107" name="TextBox 106"/>
@@ -14499,8 +14500,8 @@
           </a:fontRef>
         </p:style>
       </p:cxnSp>
-      <mc:AlternateContent xmlns:mc="http://schemas.openxmlformats.org/markup-compatibility/2006">
-        <mc:Choice xmlns:a14="http://schemas.microsoft.com/office/drawing/2010/main" Requires="a14">
+      <mc:AlternateContent xmlns:mc="http://schemas.openxmlformats.org/markup-compatibility/2006" xmlns:a14="http://schemas.microsoft.com/office/drawing/2010/main">
+        <mc:Choice Requires="a14">
           <p:sp>
             <p:nvSpPr>
               <p:cNvPr id="71" name="TextBox 70"/>
@@ -14601,7 +14602,7 @@
             </p:txBody>
           </p:sp>
         </mc:Choice>
-        <mc:Fallback>
+        <mc:Fallback xmlns="">
           <p:sp>
             <p:nvSpPr>
               <p:cNvPr id="71" name="TextBox 70"/>
@@ -18384,15 +18385,7 @@
                   <a:srgbClr val="FF0000"/>
                 </a:solidFill>
               </a:rPr>
-              <a:t>Each output node </a:t>
-            </a:r>
-            <a:r>
-              <a:rPr lang="en-US" sz="1400" dirty="0" smtClean="0">
-                <a:solidFill>
-                  <a:srgbClr val="FF0000"/>
-                </a:solidFill>
-              </a:rPr>
-              <a:t>specializes </a:t>
+              <a:t>Each output node specializes </a:t>
             </a:r>
             <a:br>
               <a:rPr lang="en-US" sz="1400" dirty="0" smtClean="0">
@@ -18459,6 +18452,256 @@
     <p:extLst>
       <p:ext uri="{BB962C8B-B14F-4D97-AF65-F5344CB8AC3E}">
         <p14:creationId xmlns:p14="http://schemas.microsoft.com/office/powerpoint/2010/main" val="528999694"/>
+      </p:ext>
+    </p:extLst>
+  </p:cSld>
+  <p:clrMapOvr>
+    <a:masterClrMapping/>
+  </p:clrMapOvr>
+  <p:timing>
+    <p:tnLst>
+      <p:par>
+        <p:cTn id="1" dur="indefinite" restart="never" nodeType="tmRoot"/>
+      </p:par>
+    </p:tnLst>
+  </p:timing>
+</p:sld>
+</file>
+
+<file path=ppt/slides/slide16.xml><?xml version="1.0" encoding="utf-8"?>
+<p:sld xmlns:a="http://schemas.openxmlformats.org/drawingml/2006/main" xmlns:r="http://schemas.openxmlformats.org/officeDocument/2006/relationships" xmlns:p="http://schemas.openxmlformats.org/presentationml/2006/main">
+  <p:cSld>
+    <p:spTree>
+      <p:nvGrpSpPr>
+        <p:cNvPr id="1" name=""/>
+        <p:cNvGrpSpPr/>
+        <p:nvPr/>
+      </p:nvGrpSpPr>
+      <p:grpSpPr>
+        <a:xfrm>
+          <a:off x="0" y="0"/>
+          <a:ext cx="0" cy="0"/>
+          <a:chOff x="0" y="0"/>
+          <a:chExt cx="0" cy="0"/>
+        </a:xfrm>
+      </p:grpSpPr>
+      <p:sp>
+        <p:nvSpPr>
+          <p:cNvPr id="2" name="Title 1"/>
+          <p:cNvSpPr>
+            <a:spLocks noGrp="1"/>
+          </p:cNvSpPr>
+          <p:nvPr>
+            <p:ph type="title"/>
+          </p:nvPr>
+        </p:nvSpPr>
+        <p:spPr>
+          <a:xfrm>
+            <a:off x="457200" y="274638"/>
+            <a:ext cx="8610600" cy="792162"/>
+          </a:xfrm>
+        </p:spPr>
+        <p:txBody>
+          <a:bodyPr>
+            <a:normAutofit/>
+          </a:bodyPr>
+          <a:lstStyle/>
+          <a:p>
+            <a:pPr algn="l"/>
+            <a:r>
+              <a:rPr lang="en-US" dirty="0" smtClean="0">
+                <a:solidFill>
+                  <a:schemeClr val="accent1">
+                    <a:lumMod val="75000"/>
+                  </a:schemeClr>
+                </a:solidFill>
+              </a:rPr>
+              <a:t>Final Note – Traini</a:t>
+            </a:r>
+            <a:r>
+              <a:rPr lang="en-US" dirty="0" smtClean="0">
+                <a:solidFill>
+                  <a:schemeClr val="accent1">
+                    <a:lumMod val="75000"/>
+                  </a:schemeClr>
+                </a:solidFill>
+              </a:rPr>
+              <a:t>ng vs. </a:t>
+            </a:r>
+            <a:r>
+              <a:rPr lang="en-US" smtClean="0">
+                <a:solidFill>
+                  <a:schemeClr val="accent1">
+                    <a:lumMod val="75000"/>
+                  </a:schemeClr>
+                </a:solidFill>
+              </a:rPr>
+              <a:t>Prediction</a:t>
+            </a:r>
+            <a:endParaRPr lang="en-US" dirty="0">
+              <a:solidFill>
+                <a:schemeClr val="accent1">
+                  <a:lumMod val="75000"/>
+                </a:schemeClr>
+              </a:solidFill>
+            </a:endParaRPr>
+          </a:p>
+        </p:txBody>
+      </p:sp>
+      <p:cxnSp>
+        <p:nvCxnSpPr>
+          <p:cNvPr id="5" name="Straight Connector 4"/>
+          <p:cNvCxnSpPr/>
+          <p:nvPr/>
+        </p:nvCxnSpPr>
+        <p:spPr>
+          <a:xfrm>
+            <a:off x="0" y="990600"/>
+            <a:ext cx="9144000" cy="0"/>
+          </a:xfrm>
+          <a:prstGeom prst="line">
+            <a:avLst/>
+          </a:prstGeom>
+          <a:ln w="19050"/>
+        </p:spPr>
+        <p:style>
+          <a:lnRef idx="1">
+            <a:schemeClr val="accent1"/>
+          </a:lnRef>
+          <a:fillRef idx="0">
+            <a:schemeClr val="accent1"/>
+          </a:fillRef>
+          <a:effectRef idx="0">
+            <a:schemeClr val="accent1"/>
+          </a:effectRef>
+          <a:fontRef idx="minor">
+            <a:schemeClr val="tx1"/>
+          </a:fontRef>
+        </p:style>
+      </p:cxnSp>
+      <p:sp>
+        <p:nvSpPr>
+          <p:cNvPr id="36" name="TextBox 35"/>
+          <p:cNvSpPr txBox="1"/>
+          <p:nvPr/>
+        </p:nvSpPr>
+        <p:spPr>
+          <a:xfrm>
+            <a:off x="152400" y="1371600"/>
+            <a:ext cx="8408712" cy="1815882"/>
+          </a:xfrm>
+          <a:prstGeom prst="rect">
+            <a:avLst/>
+          </a:prstGeom>
+          <a:noFill/>
+        </p:spPr>
+        <p:txBody>
+          <a:bodyPr wrap="none" rtlCol="0">
+            <a:spAutoFit/>
+          </a:bodyPr>
+          <a:lstStyle/>
+          <a:p>
+            <a:pPr marL="285750" indent="-285750">
+              <a:buFont typeface="Arial" panose="020B0604020202020204" pitchFamily="34" charset="0"/>
+              <a:buChar char="•"/>
+            </a:pPr>
+            <a:r>
+              <a:rPr lang="en-US" sz="2400" b="1" dirty="0" smtClean="0">
+                <a:solidFill>
+                  <a:schemeClr val="accent5">
+                    <a:lumMod val="75000"/>
+                  </a:schemeClr>
+                </a:solidFill>
+              </a:rPr>
+              <a:t>Once we have trained the neural network, we do not have to</a:t>
+            </a:r>
+          </a:p>
+          <a:p>
+            <a:r>
+              <a:rPr lang="en-US" sz="2400" b="1" dirty="0">
+                <a:solidFill>
+                  <a:schemeClr val="accent5">
+                    <a:lumMod val="75000"/>
+                  </a:schemeClr>
+                </a:solidFill>
+              </a:rPr>
+              <a:t> </a:t>
+            </a:r>
+            <a:r>
+              <a:rPr lang="en-US" sz="2400" b="1" dirty="0" smtClean="0">
+                <a:solidFill>
+                  <a:schemeClr val="accent5">
+                    <a:lumMod val="75000"/>
+                  </a:schemeClr>
+                </a:solidFill>
+              </a:rPr>
+              <a:t>   repeat the training steps when using the model for prediction.</a:t>
+            </a:r>
+          </a:p>
+          <a:p>
+            <a:endParaRPr lang="en-US" sz="2400" b="1" dirty="0" smtClean="0">
+              <a:solidFill>
+                <a:schemeClr val="accent5">
+                  <a:lumMod val="75000"/>
+                </a:schemeClr>
+              </a:solidFill>
+            </a:endParaRPr>
+          </a:p>
+          <a:p>
+            <a:pPr marL="800100" lvl="1" indent="-342900">
+              <a:buFont typeface="Arial" panose="020B0604020202020204" pitchFamily="34" charset="0"/>
+              <a:buChar char="•"/>
+            </a:pPr>
+            <a:r>
+              <a:rPr lang="en-US" sz="2000" b="1" dirty="0" smtClean="0">
+                <a:solidFill>
+                  <a:schemeClr val="accent6">
+                    <a:lumMod val="75000"/>
+                  </a:schemeClr>
+                </a:solidFill>
+              </a:rPr>
+              <a:t>No repeating of Epochs, Gradient Descent and Backward Propagation.</a:t>
+            </a:r>
+          </a:p>
+          <a:p>
+            <a:pPr marL="800100" lvl="1" indent="-342900">
+              <a:buFont typeface="Arial" panose="020B0604020202020204" pitchFamily="34" charset="0"/>
+              <a:buChar char="•"/>
+            </a:pPr>
+            <a:r>
+              <a:rPr lang="en-US" sz="2000" b="1" dirty="0" smtClean="0">
+                <a:solidFill>
+                  <a:schemeClr val="accent6">
+                    <a:lumMod val="75000"/>
+                  </a:schemeClr>
+                </a:solidFill>
+              </a:rPr>
+              <a:t>The model will run much faster than during training.</a:t>
+            </a:r>
+            <a:r>
+              <a:rPr lang="en-US" sz="2000" b="1" dirty="0" smtClean="0">
+                <a:solidFill>
+                  <a:schemeClr val="accent6">
+                    <a:lumMod val="75000"/>
+                  </a:schemeClr>
+                </a:solidFill>
+              </a:rPr>
+              <a:t> </a:t>
+            </a:r>
+            <a:endParaRPr lang="en-US" sz="2000" b="1" dirty="0" smtClean="0">
+              <a:solidFill>
+                <a:schemeClr val="accent6">
+                  <a:lumMod val="75000"/>
+                </a:schemeClr>
+              </a:solidFill>
+            </a:endParaRPr>
+          </a:p>
+        </p:txBody>
+      </p:sp>
+    </p:spTree>
+    <p:extLst>
+      <p:ext uri="{BB962C8B-B14F-4D97-AF65-F5344CB8AC3E}">
+        <p14:creationId xmlns:p14="http://schemas.microsoft.com/office/powerpoint/2010/main" val="1187385794"/>
       </p:ext>
     </p:extLst>
   </p:cSld>
@@ -18815,17 +19058,7 @@
                   </a:schemeClr>
                 </a:solidFill>
               </a:rPr>
-              <a:t>    t</a:t>
-            </a:r>
-            <a:r>
-              <a:rPr lang="en-US" sz="2400" dirty="0" smtClean="0">
-                <a:solidFill>
-                  <a:schemeClr val="accent5">
-                    <a:lumMod val="75000"/>
-                  </a:schemeClr>
-                </a:solidFill>
-              </a:rPr>
-              <a:t>he concept of neurons.</a:t>
+              <a:t>    the concept of neurons.</a:t>
             </a:r>
           </a:p>
           <a:p>
@@ -19016,17 +19249,7 @@
                   </a:schemeClr>
                 </a:solidFill>
               </a:rPr>
-              <a:t>t</a:t>
-            </a:r>
-            <a:r>
-              <a:rPr lang="en-US" sz="2400" dirty="0" smtClean="0">
-                <a:solidFill>
-                  <a:schemeClr val="accent5">
-                    <a:lumMod val="75000"/>
-                  </a:schemeClr>
-                </a:solidFill>
-              </a:rPr>
-              <a:t>he first real neural network – MADALINE.</a:t>
+              <a:t>the first real neural network – MADALINE.</a:t>
             </a:r>
           </a:p>
           <a:p>
@@ -19174,17 +19397,7 @@
                   </a:schemeClr>
                 </a:solidFill>
               </a:rPr>
-              <a:t>r</a:t>
-            </a:r>
-            <a:r>
-              <a:rPr lang="en-US" sz="2400" dirty="0" smtClean="0">
-                <a:solidFill>
-                  <a:schemeClr val="accent5">
-                    <a:lumMod val="75000"/>
-                  </a:schemeClr>
-                </a:solidFill>
-              </a:rPr>
-              <a:t>esearch continued until </a:t>
+              <a:t>research continued until </a:t>
             </a:r>
             <a:r>
               <a:rPr lang="en-US" sz="2400" b="1" dirty="0" smtClean="0">
@@ -19236,13 +19449,6 @@
               </a:rPr>
               <a:t>i.e., demonstrated the Perceptron could not model an XOR operation.</a:t>
             </a:r>
-            <a:endParaRPr lang="en-US" sz="2000" b="1" dirty="0" smtClean="0">
-              <a:solidFill>
-                <a:schemeClr val="accent5">
-                  <a:lumMod val="75000"/>
-                </a:schemeClr>
-              </a:solidFill>
-            </a:endParaRPr>
           </a:p>
         </p:txBody>
       </p:sp>
@@ -21667,6 +21873,252 @@
           </a:p>
         </p:txBody>
       </p:sp>
+      <p:cxnSp>
+        <p:nvCxnSpPr>
+          <p:cNvPr id="25" name="Straight Arrow Connector 24"/>
+          <p:cNvCxnSpPr/>
+          <p:nvPr/>
+        </p:nvCxnSpPr>
+        <p:spPr>
+          <a:xfrm flipV="1">
+            <a:off x="4198664" y="4609412"/>
+            <a:ext cx="217945" cy="791580"/>
+          </a:xfrm>
+          <a:prstGeom prst="straightConnector1">
+            <a:avLst/>
+          </a:prstGeom>
+          <a:ln>
+            <a:solidFill>
+              <a:srgbClr val="FF0000"/>
+            </a:solidFill>
+            <a:tailEnd type="arrow"/>
+          </a:ln>
+        </p:spPr>
+        <p:style>
+          <a:lnRef idx="1">
+            <a:schemeClr val="accent1"/>
+          </a:lnRef>
+          <a:fillRef idx="0">
+            <a:schemeClr val="accent1"/>
+          </a:fillRef>
+          <a:effectRef idx="0">
+            <a:schemeClr val="accent1"/>
+          </a:effectRef>
+          <a:fontRef idx="minor">
+            <a:schemeClr val="tx1"/>
+          </a:fontRef>
+        </p:style>
+      </p:cxnSp>
+      <p:sp>
+        <p:nvSpPr>
+          <p:cNvPr id="26" name="TextBox 25"/>
+          <p:cNvSpPr txBox="1"/>
+          <p:nvPr/>
+        </p:nvSpPr>
+        <p:spPr>
+          <a:xfrm>
+            <a:off x="3657599" y="5400991"/>
+            <a:ext cx="1475789" cy="461665"/>
+          </a:xfrm>
+          <a:prstGeom prst="rect">
+            <a:avLst/>
+          </a:prstGeom>
+          <a:noFill/>
+        </p:spPr>
+        <p:txBody>
+          <a:bodyPr wrap="none" rtlCol="0">
+            <a:spAutoFit/>
+          </a:bodyPr>
+          <a:lstStyle/>
+          <a:p>
+            <a:r>
+              <a:rPr lang="en-US" sz="1200" dirty="0" smtClean="0">
+                <a:solidFill>
+                  <a:srgbClr val="FF0000"/>
+                </a:solidFill>
+              </a:rPr>
+              <a:t>Neuron outputs only</a:t>
+            </a:r>
+          </a:p>
+          <a:p>
+            <a:r>
+              <a:rPr lang="en-US" sz="1200" dirty="0" smtClean="0">
+                <a:solidFill>
+                  <a:srgbClr val="FF0000"/>
+                </a:solidFill>
+              </a:rPr>
+              <a:t>a single value.</a:t>
+            </a:r>
+            <a:endParaRPr lang="en-US" sz="1200" dirty="0" smtClean="0">
+              <a:solidFill>
+                <a:srgbClr val="FF0000"/>
+              </a:solidFill>
+            </a:endParaRPr>
+          </a:p>
+        </p:txBody>
+      </p:sp>
+      <p:sp>
+        <p:nvSpPr>
+          <p:cNvPr id="31" name="TextBox 30"/>
+          <p:cNvSpPr txBox="1"/>
+          <p:nvPr/>
+        </p:nvSpPr>
+        <p:spPr>
+          <a:xfrm>
+            <a:off x="7288163" y="5715000"/>
+            <a:ext cx="1883529" cy="1015663"/>
+          </a:xfrm>
+          <a:prstGeom prst="rect">
+            <a:avLst/>
+          </a:prstGeom>
+          <a:noFill/>
+        </p:spPr>
+        <p:txBody>
+          <a:bodyPr wrap="none" rtlCol="0">
+            <a:spAutoFit/>
+          </a:bodyPr>
+          <a:lstStyle/>
+          <a:p>
+            <a:r>
+              <a:rPr lang="en-US" sz="1200" dirty="0" smtClean="0">
+                <a:solidFill>
+                  <a:srgbClr val="FF0000"/>
+                </a:solidFill>
+              </a:rPr>
+              <a:t>Output nodes Y</a:t>
+            </a:r>
+            <a:r>
+              <a:rPr lang="en-US" sz="1200" baseline="-25000" dirty="0" smtClean="0">
+                <a:solidFill>
+                  <a:srgbClr val="FF0000"/>
+                </a:solidFill>
+              </a:rPr>
+              <a:t>1</a:t>
+            </a:r>
+            <a:r>
+              <a:rPr lang="en-US" sz="1200" dirty="0" smtClean="0">
+                <a:solidFill>
+                  <a:srgbClr val="FF0000"/>
+                </a:solidFill>
+              </a:rPr>
+              <a:t>, Y</a:t>
+            </a:r>
+            <a:r>
+              <a:rPr lang="en-US" sz="1200" baseline="-25000" dirty="0" smtClean="0">
+                <a:solidFill>
+                  <a:srgbClr val="FF0000"/>
+                </a:solidFill>
+              </a:rPr>
+              <a:t>2</a:t>
+            </a:r>
+            <a:r>
+              <a:rPr lang="en-US" sz="1200" dirty="0" smtClean="0">
+                <a:solidFill>
+                  <a:srgbClr val="FF0000"/>
+                </a:solidFill>
+              </a:rPr>
+              <a:t>  and</a:t>
+            </a:r>
+          </a:p>
+          <a:p>
+            <a:r>
+              <a:rPr lang="en-US" sz="1200" dirty="0" smtClean="0">
+                <a:solidFill>
+                  <a:srgbClr val="FF0000"/>
+                </a:solidFill>
+              </a:rPr>
+              <a:t>Y</a:t>
+            </a:r>
+            <a:r>
+              <a:rPr lang="en-US" sz="1200" baseline="-25000" dirty="0" smtClean="0">
+                <a:solidFill>
+                  <a:srgbClr val="FF0000"/>
+                </a:solidFill>
+              </a:rPr>
+              <a:t>3</a:t>
+            </a:r>
+            <a:r>
+              <a:rPr lang="en-US" sz="1200" dirty="0" smtClean="0">
+                <a:solidFill>
+                  <a:srgbClr val="FF0000"/>
+                </a:solidFill>
+              </a:rPr>
+              <a:t> each weight the output</a:t>
+            </a:r>
+          </a:p>
+          <a:p>
+            <a:r>
+              <a:rPr lang="en-US" sz="1200" dirty="0" smtClean="0">
+                <a:solidFill>
+                  <a:srgbClr val="FF0000"/>
+                </a:solidFill>
+              </a:rPr>
+              <a:t>from the neuron and make</a:t>
+            </a:r>
+          </a:p>
+          <a:p>
+            <a:r>
+              <a:rPr lang="en-US" sz="1200" dirty="0" smtClean="0">
+                <a:solidFill>
+                  <a:srgbClr val="FF0000"/>
+                </a:solidFill>
+              </a:rPr>
+              <a:t>a separate calculation for</a:t>
+            </a:r>
+          </a:p>
+          <a:p>
+            <a:r>
+              <a:rPr lang="en-US" sz="1200" dirty="0" smtClean="0">
+                <a:solidFill>
+                  <a:srgbClr val="FF0000"/>
+                </a:solidFill>
+              </a:rPr>
+              <a:t>their final output.</a:t>
+            </a:r>
+            <a:endParaRPr lang="en-US" sz="1200" dirty="0" smtClean="0">
+              <a:solidFill>
+                <a:srgbClr val="FF0000"/>
+              </a:solidFill>
+            </a:endParaRPr>
+          </a:p>
+        </p:txBody>
+      </p:sp>
+      <p:cxnSp>
+        <p:nvCxnSpPr>
+          <p:cNvPr id="39" name="Straight Arrow Connector 38"/>
+          <p:cNvCxnSpPr/>
+          <p:nvPr/>
+        </p:nvCxnSpPr>
+        <p:spPr>
+          <a:xfrm flipV="1">
+            <a:off x="8353666" y="4462035"/>
+            <a:ext cx="0" cy="1169788"/>
+          </a:xfrm>
+          <a:prstGeom prst="straightConnector1">
+            <a:avLst/>
+          </a:prstGeom>
+          <a:ln>
+            <a:solidFill>
+              <a:srgbClr val="FF0000"/>
+            </a:solidFill>
+            <a:tailEnd type="arrow"/>
+          </a:ln>
+        </p:spPr>
+        <p:style>
+          <a:lnRef idx="1">
+            <a:schemeClr val="accent1"/>
+          </a:lnRef>
+          <a:fillRef idx="0">
+            <a:schemeClr val="accent1"/>
+          </a:fillRef>
+          <a:effectRef idx="0">
+            <a:schemeClr val="accent1"/>
+          </a:effectRef>
+          <a:fontRef idx="minor">
+            <a:schemeClr val="tx1"/>
+          </a:fontRef>
+        </p:style>
+      </p:cxnSp>
     </p:spTree>
     <p:extLst>
       <p:ext uri="{BB962C8B-B14F-4D97-AF65-F5344CB8AC3E}">
@@ -23139,15 +23591,7 @@
                   <a:srgbClr val="FF0000"/>
                 </a:solidFill>
               </a:rPr>
-              <a:t>adjust </a:t>
-            </a:r>
-            <a:r>
-              <a:rPr lang="en-US" sz="1200" dirty="0" smtClean="0">
-                <a:solidFill>
-                  <a:srgbClr val="FF0000"/>
-                </a:solidFill>
-              </a:rPr>
-              <a:t>(learn) the weights</a:t>
+              <a:t>adjust (learn) the weights</a:t>
             </a:r>
           </a:p>
           <a:p>
@@ -23364,11 +23808,6 @@
               </a:rPr>
               <a:t>(prediction).</a:t>
             </a:r>
-            <a:endParaRPr lang="en-US" sz="1200" dirty="0" smtClean="0">
-              <a:solidFill>
-                <a:srgbClr val="FF0000"/>
-              </a:solidFill>
-            </a:endParaRPr>
           </a:p>
         </p:txBody>
       </p:sp>
@@ -24245,8 +24684,8 @@
           </a:fontRef>
         </p:style>
       </p:cxnSp>
-      <mc:AlternateContent xmlns:mc="http://schemas.openxmlformats.org/markup-compatibility/2006">
-        <mc:Choice xmlns:a14="http://schemas.microsoft.com/office/drawing/2010/main" Requires="a14">
+      <mc:AlternateContent xmlns:mc="http://schemas.openxmlformats.org/markup-compatibility/2006" xmlns:a14="http://schemas.microsoft.com/office/drawing/2010/main">
+        <mc:Choice Requires="a14">
           <p:sp>
             <p:nvSpPr>
               <p:cNvPr id="36" name="TextBox 35"/>
@@ -24585,7 +25024,7 @@
             </p:txBody>
           </p:sp>
         </mc:Choice>
-        <mc:Fallback>
+        <mc:Fallback xmlns="">
           <p:sp>
             <p:nvSpPr>
               <p:cNvPr id="36" name="TextBox 35"/>
@@ -25076,11 +25515,6 @@
               </a:rPr>
               <a:t>Alternate representation.</a:t>
             </a:r>
-            <a:endParaRPr lang="en-US" sz="1200" dirty="0" smtClean="0">
-              <a:solidFill>
-                <a:srgbClr val="FF0000"/>
-              </a:solidFill>
-            </a:endParaRPr>
           </a:p>
         </p:txBody>
       </p:sp>
@@ -25495,17 +25929,7 @@
                   </a:schemeClr>
                 </a:solidFill>
               </a:rPr>
-              <a:t>   r</a:t>
-            </a:r>
-            <a:r>
-              <a:rPr lang="en-US" sz="2400" b="1" dirty="0" smtClean="0">
-                <a:solidFill>
-                  <a:schemeClr val="accent5">
-                    <a:lumMod val="75000"/>
-                  </a:schemeClr>
-                </a:solidFill>
-              </a:rPr>
-              <a:t>ectified.</a:t>
+              <a:t>   rectified.</a:t>
             </a:r>
             <a:br>
               <a:rPr lang="en-US" sz="2400" b="1" dirty="0" smtClean="0">

--- a/Presentations/ML Neural Networks.pptx
+++ b/Presentations/ML Neural Networks.pptx
@@ -5,7 +5,7 @@
     <p:sldMasterId id="2147483648" r:id="rId1"/>
   </p:sldMasterIdLst>
   <p:notesMasterIdLst>
-    <p:notesMasterId r:id="rId18"/>
+    <p:notesMasterId r:id="rId17"/>
   </p:notesMasterIdLst>
   <p:sldIdLst>
     <p:sldId id="256" r:id="rId2"/>
@@ -20,10 +20,9 @@
     <p:sldId id="292" r:id="rId11"/>
     <p:sldId id="293" r:id="rId12"/>
     <p:sldId id="294" r:id="rId13"/>
-    <p:sldId id="295" r:id="rId14"/>
-    <p:sldId id="296" r:id="rId15"/>
-    <p:sldId id="297" r:id="rId16"/>
-    <p:sldId id="298" r:id="rId17"/>
+    <p:sldId id="296" r:id="rId14"/>
+    <p:sldId id="297" r:id="rId15"/>
+    <p:sldId id="298" r:id="rId16"/>
   </p:sldIdLst>
   <p:sldSz cx="9144000" cy="6858000" type="screen4x3"/>
   <p:notesSz cx="6858000" cy="9144000"/>
@@ -207,7 +206,7 @@
           <a:p>
             <a:fld id="{FAF957FC-5175-49AC-8D2B-2F056FFFC1DD}" type="datetimeFigureOut">
               <a:rPr lang="en-US" smtClean="0"/>
-              <a:t>8/19/2017</a:t>
+              <a:t>8/21/2017</a:t>
             </a:fld>
             <a:endParaRPr lang="en-US"/>
           </a:p>
@@ -657,7 +656,7 @@
             <a:fld id="{1D8BD707-D9CF-40AE-B4C6-C98DA3205C09}" type="datetimeFigureOut">
               <a:rPr lang="en-US" smtClean="0"/>
               <a:pPr/>
-              <a:t>8/19/2017</a:t>
+              <a:t>8/21/2017</a:t>
             </a:fld>
             <a:endParaRPr lang="en-US"/>
           </a:p>
@@ -824,7 +823,7 @@
             <a:fld id="{1D8BD707-D9CF-40AE-B4C6-C98DA3205C09}" type="datetimeFigureOut">
               <a:rPr lang="en-US" smtClean="0"/>
               <a:pPr/>
-              <a:t>8/19/2017</a:t>
+              <a:t>8/21/2017</a:t>
             </a:fld>
             <a:endParaRPr lang="en-US"/>
           </a:p>
@@ -1001,7 +1000,7 @@
             <a:fld id="{1D8BD707-D9CF-40AE-B4C6-C98DA3205C09}" type="datetimeFigureOut">
               <a:rPr lang="en-US" smtClean="0"/>
               <a:pPr/>
-              <a:t>8/19/2017</a:t>
+              <a:t>8/21/2017</a:t>
             </a:fld>
             <a:endParaRPr lang="en-US"/>
           </a:p>
@@ -1168,7 +1167,7 @@
             <a:fld id="{1D8BD707-D9CF-40AE-B4C6-C98DA3205C09}" type="datetimeFigureOut">
               <a:rPr lang="en-US" smtClean="0"/>
               <a:pPr/>
-              <a:t>8/19/2017</a:t>
+              <a:t>8/21/2017</a:t>
             </a:fld>
             <a:endParaRPr lang="en-US"/>
           </a:p>
@@ -1411,7 +1410,7 @@
             <a:fld id="{1D8BD707-D9CF-40AE-B4C6-C98DA3205C09}" type="datetimeFigureOut">
               <a:rPr lang="en-US" smtClean="0"/>
               <a:pPr/>
-              <a:t>8/19/2017</a:t>
+              <a:t>8/21/2017</a:t>
             </a:fld>
             <a:endParaRPr lang="en-US"/>
           </a:p>
@@ -1696,7 +1695,7 @@
             <a:fld id="{1D8BD707-D9CF-40AE-B4C6-C98DA3205C09}" type="datetimeFigureOut">
               <a:rPr lang="en-US" smtClean="0"/>
               <a:pPr/>
-              <a:t>8/19/2017</a:t>
+              <a:t>8/21/2017</a:t>
             </a:fld>
             <a:endParaRPr lang="en-US"/>
           </a:p>
@@ -2115,7 +2114,7 @@
             <a:fld id="{1D8BD707-D9CF-40AE-B4C6-C98DA3205C09}" type="datetimeFigureOut">
               <a:rPr lang="en-US" smtClean="0"/>
               <a:pPr/>
-              <a:t>8/19/2017</a:t>
+              <a:t>8/21/2017</a:t>
             </a:fld>
             <a:endParaRPr lang="en-US"/>
           </a:p>
@@ -2230,7 +2229,7 @@
             <a:fld id="{1D8BD707-D9CF-40AE-B4C6-C98DA3205C09}" type="datetimeFigureOut">
               <a:rPr lang="en-US" smtClean="0"/>
               <a:pPr/>
-              <a:t>8/19/2017</a:t>
+              <a:t>8/21/2017</a:t>
             </a:fld>
             <a:endParaRPr lang="en-US"/>
           </a:p>
@@ -2322,7 +2321,7 @@
             <a:fld id="{1D8BD707-D9CF-40AE-B4C6-C98DA3205C09}" type="datetimeFigureOut">
               <a:rPr lang="en-US" smtClean="0"/>
               <a:pPr/>
-              <a:t>8/19/2017</a:t>
+              <a:t>8/21/2017</a:t>
             </a:fld>
             <a:endParaRPr lang="en-US"/>
           </a:p>
@@ -2596,7 +2595,7 @@
             <a:fld id="{1D8BD707-D9CF-40AE-B4C6-C98DA3205C09}" type="datetimeFigureOut">
               <a:rPr lang="en-US" smtClean="0"/>
               <a:pPr/>
-              <a:t>8/19/2017</a:t>
+              <a:t>8/21/2017</a:t>
             </a:fld>
             <a:endParaRPr lang="en-US"/>
           </a:p>
@@ -2846,7 +2845,7 @@
             <a:fld id="{1D8BD707-D9CF-40AE-B4C6-C98DA3205C09}" type="datetimeFigureOut">
               <a:rPr lang="en-US" smtClean="0"/>
               <a:pPr/>
-              <a:t>8/19/2017</a:t>
+              <a:t>8/21/2017</a:t>
             </a:fld>
             <a:endParaRPr lang="en-US"/>
           </a:p>
@@ -3056,7 +3055,7 @@
             <a:fld id="{1D8BD707-D9CF-40AE-B4C6-C98DA3205C09}" type="datetimeFigureOut">
               <a:rPr lang="en-US" smtClean="0"/>
               <a:pPr/>
-              <a:t>8/19/2017</a:t>
+              <a:t>8/21/2017</a:t>
             </a:fld>
             <a:endParaRPr lang="en-US"/>
           </a:p>
@@ -9378,2711 +9377,6 @@
         </p:nvSpPr>
         <p:spPr>
           <a:xfrm>
-            <a:off x="533400" y="1676400"/>
-            <a:ext cx="1143000" cy="2087772"/>
-          </a:xfrm>
-          <a:prstGeom prst="can">
-            <a:avLst/>
-          </a:prstGeom>
-        </p:spPr>
-        <p:style>
-          <a:lnRef idx="2">
-            <a:schemeClr val="accent1">
-              <a:shade val="50000"/>
-            </a:schemeClr>
-          </a:lnRef>
-          <a:fillRef idx="1">
-            <a:schemeClr val="accent1"/>
-          </a:fillRef>
-          <a:effectRef idx="0">
-            <a:schemeClr val="accent1"/>
-          </a:effectRef>
-          <a:fontRef idx="minor">
-            <a:schemeClr val="lt1"/>
-          </a:fontRef>
-        </p:style>
-        <p:txBody>
-          <a:bodyPr rtlCol="0" anchor="ctr"/>
-          <a:lstStyle/>
-          <a:p>
-            <a:pPr algn="ctr"/>
-            <a:r>
-              <a:rPr lang="en-US" dirty="0" smtClean="0"/>
-              <a:t>Training</a:t>
-            </a:r>
-            <a:br>
-              <a:rPr lang="en-US" dirty="0" smtClean="0"/>
-            </a:br>
-            <a:r>
-              <a:rPr lang="en-US" dirty="0" smtClean="0"/>
-              <a:t>Data</a:t>
-            </a:r>
-            <a:endParaRPr lang="en-US" dirty="0"/>
-          </a:p>
-        </p:txBody>
-      </p:sp>
-      <p:sp>
-        <p:nvSpPr>
-          <p:cNvPr id="7" name="Right Arrow 6"/>
-          <p:cNvSpPr/>
-          <p:nvPr/>
-        </p:nvSpPr>
-        <p:spPr>
-          <a:xfrm>
-            <a:off x="1828800" y="2057400"/>
-            <a:ext cx="457200" cy="45719"/>
-          </a:xfrm>
-          <a:prstGeom prst="rightArrow">
-            <a:avLst/>
-          </a:prstGeom>
-          <a:solidFill>
-            <a:schemeClr val="bg1">
-              <a:lumMod val="50000"/>
-            </a:schemeClr>
-          </a:solidFill>
-          <a:ln>
-            <a:solidFill>
-              <a:schemeClr val="bg1">
-                <a:lumMod val="50000"/>
-              </a:schemeClr>
-            </a:solidFill>
-          </a:ln>
-        </p:spPr>
-        <p:style>
-          <a:lnRef idx="2">
-            <a:schemeClr val="accent1">
-              <a:shade val="50000"/>
-            </a:schemeClr>
-          </a:lnRef>
-          <a:fillRef idx="1">
-            <a:schemeClr val="accent1"/>
-          </a:fillRef>
-          <a:effectRef idx="0">
-            <a:schemeClr val="accent1"/>
-          </a:effectRef>
-          <a:fontRef idx="minor">
-            <a:schemeClr val="lt1"/>
-          </a:fontRef>
-        </p:style>
-        <p:txBody>
-          <a:bodyPr rtlCol="0" anchor="ctr"/>
-          <a:lstStyle/>
-          <a:p>
-            <a:pPr algn="ctr"/>
-            <a:endParaRPr lang="en-US"/>
-          </a:p>
-        </p:txBody>
-      </p:sp>
-      <p:sp>
-        <p:nvSpPr>
-          <p:cNvPr id="8" name="Rounded Rectangle 7"/>
-          <p:cNvSpPr/>
-          <p:nvPr/>
-        </p:nvSpPr>
-        <p:spPr>
-          <a:xfrm>
-            <a:off x="2393388" y="1960243"/>
-            <a:ext cx="807011" cy="228600"/>
-          </a:xfrm>
-          <a:prstGeom prst="roundRect">
-            <a:avLst/>
-          </a:prstGeom>
-        </p:spPr>
-        <p:style>
-          <a:lnRef idx="2">
-            <a:schemeClr val="accent1">
-              <a:shade val="50000"/>
-            </a:schemeClr>
-          </a:lnRef>
-          <a:fillRef idx="1">
-            <a:schemeClr val="accent1"/>
-          </a:fillRef>
-          <a:effectRef idx="0">
-            <a:schemeClr val="accent1"/>
-          </a:effectRef>
-          <a:fontRef idx="minor">
-            <a:schemeClr val="lt1"/>
-          </a:fontRef>
-        </p:style>
-        <p:txBody>
-          <a:bodyPr rtlCol="0" anchor="ctr"/>
-          <a:lstStyle/>
-          <a:p>
-            <a:pPr algn="ctr"/>
-            <a:r>
-              <a:rPr lang="en-US" dirty="0" smtClean="0"/>
-              <a:t>Data</a:t>
-            </a:r>
-            <a:endParaRPr lang="en-US" dirty="0"/>
-          </a:p>
-        </p:txBody>
-      </p:sp>
-      <p:sp>
-        <p:nvSpPr>
-          <p:cNvPr id="45" name="Rounded Rectangle 44"/>
-          <p:cNvSpPr/>
-          <p:nvPr/>
-        </p:nvSpPr>
-        <p:spPr>
-          <a:xfrm>
-            <a:off x="2545788" y="2112643"/>
-            <a:ext cx="807011" cy="228600"/>
-          </a:xfrm>
-          <a:prstGeom prst="roundRect">
-            <a:avLst/>
-          </a:prstGeom>
-        </p:spPr>
-        <p:style>
-          <a:lnRef idx="2">
-            <a:schemeClr val="accent1">
-              <a:shade val="50000"/>
-            </a:schemeClr>
-          </a:lnRef>
-          <a:fillRef idx="1">
-            <a:schemeClr val="accent1"/>
-          </a:fillRef>
-          <a:effectRef idx="0">
-            <a:schemeClr val="accent1"/>
-          </a:effectRef>
-          <a:fontRef idx="minor">
-            <a:schemeClr val="lt1"/>
-          </a:fontRef>
-        </p:style>
-        <p:txBody>
-          <a:bodyPr rtlCol="0" anchor="ctr"/>
-          <a:lstStyle/>
-          <a:p>
-            <a:pPr algn="ctr"/>
-            <a:r>
-              <a:rPr lang="en-US" dirty="0" smtClean="0"/>
-              <a:t>Data</a:t>
-            </a:r>
-            <a:endParaRPr lang="en-US" dirty="0"/>
-          </a:p>
-        </p:txBody>
-      </p:sp>
-      <p:sp>
-        <p:nvSpPr>
-          <p:cNvPr id="64" name="Rounded Rectangle 63"/>
-          <p:cNvSpPr/>
-          <p:nvPr/>
-        </p:nvSpPr>
-        <p:spPr>
-          <a:xfrm>
-            <a:off x="2698188" y="2265043"/>
-            <a:ext cx="807011" cy="228600"/>
-          </a:xfrm>
-          <a:prstGeom prst="roundRect">
-            <a:avLst/>
-          </a:prstGeom>
-        </p:spPr>
-        <p:style>
-          <a:lnRef idx="2">
-            <a:schemeClr val="accent1">
-              <a:shade val="50000"/>
-            </a:schemeClr>
-          </a:lnRef>
-          <a:fillRef idx="1">
-            <a:schemeClr val="accent1"/>
-          </a:fillRef>
-          <a:effectRef idx="0">
-            <a:schemeClr val="accent1"/>
-          </a:effectRef>
-          <a:fontRef idx="minor">
-            <a:schemeClr val="lt1"/>
-          </a:fontRef>
-        </p:style>
-        <p:txBody>
-          <a:bodyPr rtlCol="0" anchor="ctr"/>
-          <a:lstStyle/>
-          <a:p>
-            <a:pPr algn="ctr"/>
-            <a:r>
-              <a:rPr lang="en-US" dirty="0" smtClean="0"/>
-              <a:t>Data</a:t>
-            </a:r>
-            <a:endParaRPr lang="en-US" dirty="0"/>
-          </a:p>
-        </p:txBody>
-      </p:sp>
-      <p:sp>
-        <p:nvSpPr>
-          <p:cNvPr id="65" name="Rounded Rectangle 64"/>
-          <p:cNvSpPr/>
-          <p:nvPr/>
-        </p:nvSpPr>
-        <p:spPr>
-          <a:xfrm>
-            <a:off x="2850588" y="2417443"/>
-            <a:ext cx="807011" cy="228600"/>
-          </a:xfrm>
-          <a:prstGeom prst="roundRect">
-            <a:avLst/>
-          </a:prstGeom>
-        </p:spPr>
-        <p:style>
-          <a:lnRef idx="2">
-            <a:schemeClr val="accent1">
-              <a:shade val="50000"/>
-            </a:schemeClr>
-          </a:lnRef>
-          <a:fillRef idx="1">
-            <a:schemeClr val="accent1"/>
-          </a:fillRef>
-          <a:effectRef idx="0">
-            <a:schemeClr val="accent1"/>
-          </a:effectRef>
-          <a:fontRef idx="minor">
-            <a:schemeClr val="lt1"/>
-          </a:fontRef>
-        </p:style>
-        <p:txBody>
-          <a:bodyPr rtlCol="0" anchor="ctr"/>
-          <a:lstStyle/>
-          <a:p>
-            <a:pPr algn="ctr"/>
-            <a:r>
-              <a:rPr lang="en-US" dirty="0" smtClean="0"/>
-              <a:t>Data</a:t>
-            </a:r>
-            <a:endParaRPr lang="en-US" dirty="0"/>
-          </a:p>
-        </p:txBody>
-      </p:sp>
-      <p:sp>
-        <p:nvSpPr>
-          <p:cNvPr id="67" name="TextBox 66"/>
-          <p:cNvSpPr txBox="1"/>
-          <p:nvPr/>
-        </p:nvSpPr>
-        <p:spPr>
-          <a:xfrm>
-            <a:off x="1781175" y="2715641"/>
-            <a:ext cx="1089978" cy="646331"/>
-          </a:xfrm>
-          <a:prstGeom prst="rect">
-            <a:avLst/>
-          </a:prstGeom>
-          <a:noFill/>
-        </p:spPr>
-        <p:txBody>
-          <a:bodyPr wrap="none" rtlCol="0">
-            <a:spAutoFit/>
-          </a:bodyPr>
-          <a:lstStyle/>
-          <a:p>
-            <a:r>
-              <a:rPr lang="en-US" sz="1200" dirty="0" smtClean="0">
-                <a:solidFill>
-                  <a:schemeClr val="accent6">
-                    <a:lumMod val="75000"/>
-                  </a:schemeClr>
-                </a:solidFill>
-              </a:rPr>
-              <a:t>Feed a single </a:t>
-            </a:r>
-          </a:p>
-          <a:p>
-            <a:r>
-              <a:rPr lang="en-US" sz="1200" dirty="0" smtClean="0">
-                <a:solidFill>
-                  <a:schemeClr val="accent6">
-                    <a:lumMod val="75000"/>
-                  </a:schemeClr>
-                </a:solidFill>
-              </a:rPr>
-              <a:t>row of data at</a:t>
-            </a:r>
-          </a:p>
-          <a:p>
-            <a:r>
-              <a:rPr lang="en-US" sz="1200" dirty="0" smtClean="0">
-                <a:solidFill>
-                  <a:schemeClr val="accent6">
-                    <a:lumMod val="75000"/>
-                  </a:schemeClr>
-                </a:solidFill>
-              </a:rPr>
-              <a:t>a time.</a:t>
-            </a:r>
-            <a:endParaRPr lang="en-US" sz="1200" dirty="0">
-              <a:solidFill>
-                <a:schemeClr val="accent6">
-                  <a:lumMod val="75000"/>
-                </a:schemeClr>
-              </a:solidFill>
-            </a:endParaRPr>
-          </a:p>
-        </p:txBody>
-      </p:sp>
-      <p:cxnSp>
-        <p:nvCxnSpPr>
-          <p:cNvPr id="68" name="Straight Arrow Connector 67"/>
-          <p:cNvCxnSpPr/>
-          <p:nvPr/>
-        </p:nvCxnSpPr>
-        <p:spPr>
-          <a:xfrm flipV="1">
-            <a:off x="1972068" y="2403907"/>
-            <a:ext cx="468945" cy="357659"/>
-          </a:xfrm>
-          <a:prstGeom prst="straightConnector1">
-            <a:avLst/>
-          </a:prstGeom>
-          <a:ln>
-            <a:solidFill>
-              <a:schemeClr val="accent6">
-                <a:lumMod val="75000"/>
-              </a:schemeClr>
-            </a:solidFill>
-            <a:tailEnd type="arrow"/>
-          </a:ln>
-        </p:spPr>
-        <p:style>
-          <a:lnRef idx="1">
-            <a:schemeClr val="accent1"/>
-          </a:lnRef>
-          <a:fillRef idx="0">
-            <a:schemeClr val="accent1"/>
-          </a:fillRef>
-          <a:effectRef idx="0">
-            <a:schemeClr val="accent1"/>
-          </a:effectRef>
-          <a:fontRef idx="minor">
-            <a:schemeClr val="tx1"/>
-          </a:fontRef>
-        </p:style>
-      </p:cxnSp>
-      <p:sp>
-        <p:nvSpPr>
-          <p:cNvPr id="69" name="Right Arrow 68"/>
-          <p:cNvSpPr/>
-          <p:nvPr/>
-        </p:nvSpPr>
-        <p:spPr>
-          <a:xfrm rot="5400000">
-            <a:off x="2971798" y="2967307"/>
-            <a:ext cx="457200" cy="45719"/>
-          </a:xfrm>
-          <a:prstGeom prst="rightArrow">
-            <a:avLst/>
-          </a:prstGeom>
-          <a:solidFill>
-            <a:schemeClr val="bg1">
-              <a:lumMod val="50000"/>
-            </a:schemeClr>
-          </a:solidFill>
-          <a:ln>
-            <a:solidFill>
-              <a:schemeClr val="bg1">
-                <a:lumMod val="50000"/>
-              </a:schemeClr>
-            </a:solidFill>
-          </a:ln>
-        </p:spPr>
-        <p:style>
-          <a:lnRef idx="2">
-            <a:schemeClr val="accent1">
-              <a:shade val="50000"/>
-            </a:schemeClr>
-          </a:lnRef>
-          <a:fillRef idx="1">
-            <a:schemeClr val="accent1"/>
-          </a:fillRef>
-          <a:effectRef idx="0">
-            <a:schemeClr val="accent1"/>
-          </a:effectRef>
-          <a:fontRef idx="minor">
-            <a:schemeClr val="lt1"/>
-          </a:fontRef>
-        </p:style>
-        <p:txBody>
-          <a:bodyPr rtlCol="0" anchor="ctr"/>
-          <a:lstStyle/>
-          <a:p>
-            <a:pPr algn="ctr"/>
-            <a:endParaRPr lang="en-US"/>
-          </a:p>
-        </p:txBody>
-      </p:sp>
-      <p:sp>
-        <p:nvSpPr>
-          <p:cNvPr id="70" name="Rounded Rectangle 69"/>
-          <p:cNvSpPr/>
-          <p:nvPr/>
-        </p:nvSpPr>
-        <p:spPr>
-          <a:xfrm>
-            <a:off x="2551856" y="3427631"/>
-            <a:ext cx="1460782" cy="228600"/>
-          </a:xfrm>
-          <a:prstGeom prst="roundRect">
-            <a:avLst/>
-          </a:prstGeom>
-          <a:solidFill>
-            <a:srgbClr val="00B050"/>
-          </a:solidFill>
-          <a:ln>
-            <a:solidFill>
-              <a:srgbClr val="00B050"/>
-            </a:solidFill>
-          </a:ln>
-        </p:spPr>
-        <p:style>
-          <a:lnRef idx="2">
-            <a:schemeClr val="accent1">
-              <a:shade val="50000"/>
-            </a:schemeClr>
-          </a:lnRef>
-          <a:fillRef idx="1">
-            <a:schemeClr val="accent1"/>
-          </a:fillRef>
-          <a:effectRef idx="0">
-            <a:schemeClr val="accent1"/>
-          </a:effectRef>
-          <a:fontRef idx="minor">
-            <a:schemeClr val="lt1"/>
-          </a:fontRef>
-        </p:style>
-        <p:txBody>
-          <a:bodyPr rtlCol="0" anchor="ctr"/>
-          <a:lstStyle/>
-          <a:p>
-            <a:pPr algn="ctr"/>
-            <a:r>
-              <a:rPr lang="en-US" dirty="0" smtClean="0"/>
-              <a:t>Repeat</a:t>
-            </a:r>
-            <a:endParaRPr lang="en-US" dirty="0"/>
-          </a:p>
-        </p:txBody>
-      </p:sp>
-      <p:sp>
-        <p:nvSpPr>
-          <p:cNvPr id="72" name="Right Arrow 71"/>
-          <p:cNvSpPr/>
-          <p:nvPr/>
-        </p:nvSpPr>
-        <p:spPr>
-          <a:xfrm>
-            <a:off x="4178215" y="3503831"/>
-            <a:ext cx="457200" cy="45719"/>
-          </a:xfrm>
-          <a:prstGeom prst="rightArrow">
-            <a:avLst/>
-          </a:prstGeom>
-          <a:solidFill>
-            <a:schemeClr val="bg1">
-              <a:lumMod val="50000"/>
-            </a:schemeClr>
-          </a:solidFill>
-          <a:ln>
-            <a:solidFill>
-              <a:schemeClr val="bg1">
-                <a:lumMod val="50000"/>
-              </a:schemeClr>
-            </a:solidFill>
-          </a:ln>
-        </p:spPr>
-        <p:style>
-          <a:lnRef idx="2">
-            <a:schemeClr val="accent1">
-              <a:shade val="50000"/>
-            </a:schemeClr>
-          </a:lnRef>
-          <a:fillRef idx="1">
-            <a:schemeClr val="accent1"/>
-          </a:fillRef>
-          <a:effectRef idx="0">
-            <a:schemeClr val="accent1"/>
-          </a:effectRef>
-          <a:fontRef idx="minor">
-            <a:schemeClr val="lt1"/>
-          </a:fontRef>
-        </p:style>
-        <p:txBody>
-          <a:bodyPr rtlCol="0" anchor="ctr"/>
-          <a:lstStyle/>
-          <a:p>
-            <a:pPr algn="ctr"/>
-            <a:endParaRPr lang="en-US"/>
-          </a:p>
-        </p:txBody>
-      </p:sp>
-      <p:sp>
-        <p:nvSpPr>
-          <p:cNvPr id="11" name="Oval 10"/>
-          <p:cNvSpPr/>
-          <p:nvPr/>
-        </p:nvSpPr>
-        <p:spPr>
-          <a:xfrm>
-            <a:off x="4824764" y="2884238"/>
-            <a:ext cx="381000" cy="371806"/>
-          </a:xfrm>
-          <a:prstGeom prst="ellipse">
-            <a:avLst/>
-          </a:prstGeom>
-          <a:noFill/>
-          <a:ln>
-            <a:solidFill>
-              <a:srgbClr val="FFC000"/>
-            </a:solidFill>
-          </a:ln>
-        </p:spPr>
-        <p:style>
-          <a:lnRef idx="2">
-            <a:schemeClr val="accent1">
-              <a:shade val="50000"/>
-            </a:schemeClr>
-          </a:lnRef>
-          <a:fillRef idx="1">
-            <a:schemeClr val="accent1"/>
-          </a:fillRef>
-          <a:effectRef idx="0">
-            <a:schemeClr val="accent1"/>
-          </a:effectRef>
-          <a:fontRef idx="minor">
-            <a:schemeClr val="lt1"/>
-          </a:fontRef>
-        </p:style>
-        <p:txBody>
-          <a:bodyPr rtlCol="0" anchor="ctr"/>
-          <a:lstStyle/>
-          <a:p>
-            <a:pPr algn="ctr"/>
-            <a:endParaRPr lang="en-US"/>
-          </a:p>
-        </p:txBody>
-      </p:sp>
-      <p:sp>
-        <p:nvSpPr>
-          <p:cNvPr id="78" name="Oval 77"/>
-          <p:cNvSpPr/>
-          <p:nvPr/>
-        </p:nvSpPr>
-        <p:spPr>
-          <a:xfrm>
-            <a:off x="4824764" y="3339384"/>
-            <a:ext cx="381000" cy="371806"/>
-          </a:xfrm>
-          <a:prstGeom prst="ellipse">
-            <a:avLst/>
-          </a:prstGeom>
-          <a:noFill/>
-          <a:ln>
-            <a:solidFill>
-              <a:srgbClr val="FFC000"/>
-            </a:solidFill>
-          </a:ln>
-        </p:spPr>
-        <p:style>
-          <a:lnRef idx="2">
-            <a:schemeClr val="accent1">
-              <a:shade val="50000"/>
-            </a:schemeClr>
-          </a:lnRef>
-          <a:fillRef idx="1">
-            <a:schemeClr val="accent1"/>
-          </a:fillRef>
-          <a:effectRef idx="0">
-            <a:schemeClr val="accent1"/>
-          </a:effectRef>
-          <a:fontRef idx="minor">
-            <a:schemeClr val="lt1"/>
-          </a:fontRef>
-        </p:style>
-        <p:txBody>
-          <a:bodyPr rtlCol="0" anchor="ctr"/>
-          <a:lstStyle/>
-          <a:p>
-            <a:pPr algn="ctr"/>
-            <a:endParaRPr lang="en-US"/>
-          </a:p>
-        </p:txBody>
-      </p:sp>
-      <p:sp>
-        <p:nvSpPr>
-          <p:cNvPr id="79" name="Oval 78"/>
-          <p:cNvSpPr/>
-          <p:nvPr/>
-        </p:nvSpPr>
-        <p:spPr>
-          <a:xfrm>
-            <a:off x="4824764" y="3856472"/>
-            <a:ext cx="381000" cy="371806"/>
-          </a:xfrm>
-          <a:prstGeom prst="ellipse">
-            <a:avLst/>
-          </a:prstGeom>
-          <a:noFill/>
-          <a:ln>
-            <a:solidFill>
-              <a:srgbClr val="FFC000"/>
-            </a:solidFill>
-          </a:ln>
-        </p:spPr>
-        <p:style>
-          <a:lnRef idx="2">
-            <a:schemeClr val="accent1">
-              <a:shade val="50000"/>
-            </a:schemeClr>
-          </a:lnRef>
-          <a:fillRef idx="1">
-            <a:schemeClr val="accent1"/>
-          </a:fillRef>
-          <a:effectRef idx="0">
-            <a:schemeClr val="accent1"/>
-          </a:effectRef>
-          <a:fontRef idx="minor">
-            <a:schemeClr val="lt1"/>
-          </a:fontRef>
-        </p:style>
-        <p:txBody>
-          <a:bodyPr rtlCol="0" anchor="ctr"/>
-          <a:lstStyle/>
-          <a:p>
-            <a:pPr algn="ctr"/>
-            <a:endParaRPr lang="en-US"/>
-          </a:p>
-        </p:txBody>
-      </p:sp>
-      <p:sp>
-        <p:nvSpPr>
-          <p:cNvPr id="80" name="Oval 79"/>
-          <p:cNvSpPr/>
-          <p:nvPr/>
-        </p:nvSpPr>
-        <p:spPr>
-          <a:xfrm>
-            <a:off x="5450651" y="2643532"/>
-            <a:ext cx="381000" cy="371806"/>
-          </a:xfrm>
-          <a:prstGeom prst="ellipse">
-            <a:avLst/>
-          </a:prstGeom>
-          <a:noFill/>
-          <a:ln>
-            <a:solidFill>
-              <a:srgbClr val="00B050"/>
-            </a:solidFill>
-          </a:ln>
-        </p:spPr>
-        <p:style>
-          <a:lnRef idx="2">
-            <a:schemeClr val="accent1">
-              <a:shade val="50000"/>
-            </a:schemeClr>
-          </a:lnRef>
-          <a:fillRef idx="1">
-            <a:schemeClr val="accent1"/>
-          </a:fillRef>
-          <a:effectRef idx="0">
-            <a:schemeClr val="accent1"/>
-          </a:effectRef>
-          <a:fontRef idx="minor">
-            <a:schemeClr val="lt1"/>
-          </a:fontRef>
-        </p:style>
-        <p:txBody>
-          <a:bodyPr rtlCol="0" anchor="ctr"/>
-          <a:lstStyle/>
-          <a:p>
-            <a:pPr algn="ctr"/>
-            <a:endParaRPr lang="en-US"/>
-          </a:p>
-        </p:txBody>
-      </p:sp>
-      <p:cxnSp>
-        <p:nvCxnSpPr>
-          <p:cNvPr id="13" name="Straight Arrow Connector 12"/>
-          <p:cNvCxnSpPr>
-            <a:stCxn id="11" idx="6"/>
-            <a:endCxn id="80" idx="3"/>
-          </p:cNvCxnSpPr>
-          <p:nvPr/>
-        </p:nvCxnSpPr>
-        <p:spPr>
-          <a:xfrm flipV="1">
-            <a:off x="5205764" y="2960888"/>
-            <a:ext cx="300683" cy="109253"/>
-          </a:xfrm>
-          <a:prstGeom prst="straightConnector1">
-            <a:avLst/>
-          </a:prstGeom>
-          <a:ln>
-            <a:solidFill>
-              <a:schemeClr val="tx1"/>
-            </a:solidFill>
-            <a:tailEnd type="arrow"/>
-          </a:ln>
-        </p:spPr>
-        <p:style>
-          <a:lnRef idx="1">
-            <a:schemeClr val="accent1"/>
-          </a:lnRef>
-          <a:fillRef idx="0">
-            <a:schemeClr val="accent1"/>
-          </a:fillRef>
-          <a:effectRef idx="0">
-            <a:schemeClr val="accent1"/>
-          </a:effectRef>
-          <a:fontRef idx="minor">
-            <a:schemeClr val="tx1"/>
-          </a:fontRef>
-        </p:style>
-      </p:cxnSp>
-      <p:cxnSp>
-        <p:nvCxnSpPr>
-          <p:cNvPr id="81" name="Straight Arrow Connector 80"/>
-          <p:cNvCxnSpPr>
-            <a:endCxn id="80" idx="3"/>
-          </p:cNvCxnSpPr>
-          <p:nvPr/>
-        </p:nvCxnSpPr>
-        <p:spPr>
-          <a:xfrm flipV="1">
-            <a:off x="5214584" y="2960888"/>
-            <a:ext cx="291863" cy="556845"/>
-          </a:xfrm>
-          <a:prstGeom prst="straightConnector1">
-            <a:avLst/>
-          </a:prstGeom>
-          <a:ln>
-            <a:solidFill>
-              <a:schemeClr val="tx1"/>
-            </a:solidFill>
-            <a:tailEnd type="arrow"/>
-          </a:ln>
-        </p:spPr>
-        <p:style>
-          <a:lnRef idx="1">
-            <a:schemeClr val="accent1"/>
-          </a:lnRef>
-          <a:fillRef idx="0">
-            <a:schemeClr val="accent1"/>
-          </a:fillRef>
-          <a:effectRef idx="0">
-            <a:schemeClr val="accent1"/>
-          </a:effectRef>
-          <a:fontRef idx="minor">
-            <a:schemeClr val="tx1"/>
-          </a:fontRef>
-        </p:style>
-      </p:cxnSp>
-      <p:cxnSp>
-        <p:nvCxnSpPr>
-          <p:cNvPr id="83" name="Straight Arrow Connector 82"/>
-          <p:cNvCxnSpPr/>
-          <p:nvPr/>
-        </p:nvCxnSpPr>
-        <p:spPr>
-          <a:xfrm flipV="1">
-            <a:off x="5193476" y="3015514"/>
-            <a:ext cx="257175" cy="1014579"/>
-          </a:xfrm>
-          <a:prstGeom prst="straightConnector1">
-            <a:avLst/>
-          </a:prstGeom>
-          <a:ln>
-            <a:solidFill>
-              <a:schemeClr val="tx1"/>
-            </a:solidFill>
-            <a:tailEnd type="arrow"/>
-          </a:ln>
-        </p:spPr>
-        <p:style>
-          <a:lnRef idx="1">
-            <a:schemeClr val="accent1"/>
-          </a:lnRef>
-          <a:fillRef idx="0">
-            <a:schemeClr val="accent1"/>
-          </a:fillRef>
-          <a:effectRef idx="0">
-            <a:schemeClr val="accent1"/>
-          </a:effectRef>
-          <a:fontRef idx="minor">
-            <a:schemeClr val="tx1"/>
-          </a:fontRef>
-        </p:style>
-      </p:cxnSp>
-      <p:sp>
-        <p:nvSpPr>
-          <p:cNvPr id="84" name="Oval 83"/>
-          <p:cNvSpPr/>
-          <p:nvPr/>
-        </p:nvSpPr>
-        <p:spPr>
-          <a:xfrm>
-            <a:off x="5450651" y="3194613"/>
-            <a:ext cx="381000" cy="371806"/>
-          </a:xfrm>
-          <a:prstGeom prst="ellipse">
-            <a:avLst/>
-          </a:prstGeom>
-          <a:noFill/>
-          <a:ln>
-            <a:solidFill>
-              <a:srgbClr val="00B050"/>
-            </a:solidFill>
-          </a:ln>
-        </p:spPr>
-        <p:style>
-          <a:lnRef idx="2">
-            <a:schemeClr val="accent1">
-              <a:shade val="50000"/>
-            </a:schemeClr>
-          </a:lnRef>
-          <a:fillRef idx="1">
-            <a:schemeClr val="accent1"/>
-          </a:fillRef>
-          <a:effectRef idx="0">
-            <a:schemeClr val="accent1"/>
-          </a:effectRef>
-          <a:fontRef idx="minor">
-            <a:schemeClr val="lt1"/>
-          </a:fontRef>
-        </p:style>
-        <p:txBody>
-          <a:bodyPr rtlCol="0" anchor="ctr"/>
-          <a:lstStyle/>
-          <a:p>
-            <a:pPr algn="ctr"/>
-            <a:endParaRPr lang="en-US"/>
-          </a:p>
-        </p:txBody>
-      </p:sp>
-      <p:sp>
-        <p:nvSpPr>
-          <p:cNvPr id="85" name="Oval 84"/>
-          <p:cNvSpPr/>
-          <p:nvPr/>
-        </p:nvSpPr>
-        <p:spPr>
-          <a:xfrm>
-            <a:off x="5450651" y="3711190"/>
-            <a:ext cx="381000" cy="371806"/>
-          </a:xfrm>
-          <a:prstGeom prst="ellipse">
-            <a:avLst/>
-          </a:prstGeom>
-          <a:noFill/>
-          <a:ln>
-            <a:solidFill>
-              <a:srgbClr val="00B050"/>
-            </a:solidFill>
-          </a:ln>
-        </p:spPr>
-        <p:style>
-          <a:lnRef idx="2">
-            <a:schemeClr val="accent1">
-              <a:shade val="50000"/>
-            </a:schemeClr>
-          </a:lnRef>
-          <a:fillRef idx="1">
-            <a:schemeClr val="accent1"/>
-          </a:fillRef>
-          <a:effectRef idx="0">
-            <a:schemeClr val="accent1"/>
-          </a:effectRef>
-          <a:fontRef idx="minor">
-            <a:schemeClr val="lt1"/>
-          </a:fontRef>
-        </p:style>
-        <p:txBody>
-          <a:bodyPr rtlCol="0" anchor="ctr"/>
-          <a:lstStyle/>
-          <a:p>
-            <a:pPr algn="ctr"/>
-            <a:endParaRPr lang="en-US"/>
-          </a:p>
-        </p:txBody>
-      </p:sp>
-      <p:sp>
-        <p:nvSpPr>
-          <p:cNvPr id="86" name="Oval 85"/>
-          <p:cNvSpPr/>
-          <p:nvPr/>
-        </p:nvSpPr>
-        <p:spPr>
-          <a:xfrm>
-            <a:off x="5450651" y="4237120"/>
-            <a:ext cx="381000" cy="371806"/>
-          </a:xfrm>
-          <a:prstGeom prst="ellipse">
-            <a:avLst/>
-          </a:prstGeom>
-          <a:noFill/>
-          <a:ln>
-            <a:solidFill>
-              <a:srgbClr val="00B050"/>
-            </a:solidFill>
-          </a:ln>
-        </p:spPr>
-        <p:style>
-          <a:lnRef idx="2">
-            <a:schemeClr val="accent1">
-              <a:shade val="50000"/>
-            </a:schemeClr>
-          </a:lnRef>
-          <a:fillRef idx="1">
-            <a:schemeClr val="accent1"/>
-          </a:fillRef>
-          <a:effectRef idx="0">
-            <a:schemeClr val="accent1"/>
-          </a:effectRef>
-          <a:fontRef idx="minor">
-            <a:schemeClr val="lt1"/>
-          </a:fontRef>
-        </p:style>
-        <p:txBody>
-          <a:bodyPr rtlCol="0" anchor="ctr"/>
-          <a:lstStyle/>
-          <a:p>
-            <a:pPr algn="ctr"/>
-            <a:endParaRPr lang="en-US"/>
-          </a:p>
-        </p:txBody>
-      </p:sp>
-      <p:cxnSp>
-        <p:nvCxnSpPr>
-          <p:cNvPr id="87" name="Straight Arrow Connector 86"/>
-          <p:cNvCxnSpPr>
-            <a:stCxn id="11" idx="6"/>
-          </p:cNvCxnSpPr>
-          <p:nvPr/>
-        </p:nvCxnSpPr>
-        <p:spPr>
-          <a:xfrm>
-            <a:off x="5205764" y="3070141"/>
-            <a:ext cx="244887" cy="295995"/>
-          </a:xfrm>
-          <a:prstGeom prst="straightConnector1">
-            <a:avLst/>
-          </a:prstGeom>
-          <a:ln>
-            <a:solidFill>
-              <a:schemeClr val="tx1"/>
-            </a:solidFill>
-            <a:tailEnd type="arrow"/>
-          </a:ln>
-        </p:spPr>
-        <p:style>
-          <a:lnRef idx="1">
-            <a:schemeClr val="accent1"/>
-          </a:lnRef>
-          <a:fillRef idx="0">
-            <a:schemeClr val="accent1"/>
-          </a:fillRef>
-          <a:effectRef idx="0">
-            <a:schemeClr val="accent1"/>
-          </a:effectRef>
-          <a:fontRef idx="minor">
-            <a:schemeClr val="tx1"/>
-          </a:fontRef>
-        </p:style>
-      </p:cxnSp>
-      <p:cxnSp>
-        <p:nvCxnSpPr>
-          <p:cNvPr id="88" name="Straight Arrow Connector 87"/>
-          <p:cNvCxnSpPr>
-            <a:stCxn id="11" idx="6"/>
-          </p:cNvCxnSpPr>
-          <p:nvPr/>
-        </p:nvCxnSpPr>
-        <p:spPr>
-          <a:xfrm>
-            <a:off x="5205764" y="3070141"/>
-            <a:ext cx="233303" cy="833720"/>
-          </a:xfrm>
-          <a:prstGeom prst="straightConnector1">
-            <a:avLst/>
-          </a:prstGeom>
-          <a:ln>
-            <a:solidFill>
-              <a:schemeClr val="tx1"/>
-            </a:solidFill>
-            <a:tailEnd type="arrow"/>
-          </a:ln>
-        </p:spPr>
-        <p:style>
-          <a:lnRef idx="1">
-            <a:schemeClr val="accent1"/>
-          </a:lnRef>
-          <a:fillRef idx="0">
-            <a:schemeClr val="accent1"/>
-          </a:fillRef>
-          <a:effectRef idx="0">
-            <a:schemeClr val="accent1"/>
-          </a:effectRef>
-          <a:fontRef idx="minor">
-            <a:schemeClr val="tx1"/>
-          </a:fontRef>
-        </p:style>
-      </p:cxnSp>
-      <p:cxnSp>
-        <p:nvCxnSpPr>
-          <p:cNvPr id="89" name="Straight Arrow Connector 88"/>
-          <p:cNvCxnSpPr>
-            <a:stCxn id="11" idx="6"/>
-          </p:cNvCxnSpPr>
-          <p:nvPr/>
-        </p:nvCxnSpPr>
-        <p:spPr>
-          <a:xfrm>
-            <a:off x="5205764" y="3070141"/>
-            <a:ext cx="244887" cy="1357774"/>
-          </a:xfrm>
-          <a:prstGeom prst="straightConnector1">
-            <a:avLst/>
-          </a:prstGeom>
-          <a:ln>
-            <a:solidFill>
-              <a:schemeClr val="tx1"/>
-            </a:solidFill>
-            <a:tailEnd type="arrow"/>
-          </a:ln>
-        </p:spPr>
-        <p:style>
-          <a:lnRef idx="1">
-            <a:schemeClr val="accent1"/>
-          </a:lnRef>
-          <a:fillRef idx="0">
-            <a:schemeClr val="accent1"/>
-          </a:fillRef>
-          <a:effectRef idx="0">
-            <a:schemeClr val="accent1"/>
-          </a:effectRef>
-          <a:fontRef idx="minor">
-            <a:schemeClr val="tx1"/>
-          </a:fontRef>
-        </p:style>
-      </p:cxnSp>
-      <p:cxnSp>
-        <p:nvCxnSpPr>
-          <p:cNvPr id="93" name="Straight Arrow Connector 92"/>
-          <p:cNvCxnSpPr/>
-          <p:nvPr/>
-        </p:nvCxnSpPr>
-        <p:spPr>
-          <a:xfrm flipV="1">
-            <a:off x="5193476" y="3416034"/>
-            <a:ext cx="300683" cy="109253"/>
-          </a:xfrm>
-          <a:prstGeom prst="straightConnector1">
-            <a:avLst/>
-          </a:prstGeom>
-          <a:ln>
-            <a:solidFill>
-              <a:schemeClr val="tx1"/>
-            </a:solidFill>
-            <a:tailEnd type="arrow"/>
-          </a:ln>
-        </p:spPr>
-        <p:style>
-          <a:lnRef idx="1">
-            <a:schemeClr val="accent1"/>
-          </a:lnRef>
-          <a:fillRef idx="0">
-            <a:schemeClr val="accent1"/>
-          </a:fillRef>
-          <a:effectRef idx="0">
-            <a:schemeClr val="accent1"/>
-          </a:effectRef>
-          <a:fontRef idx="minor">
-            <a:schemeClr val="tx1"/>
-          </a:fontRef>
-        </p:style>
-      </p:cxnSp>
-      <p:cxnSp>
-        <p:nvCxnSpPr>
-          <p:cNvPr id="95" name="Straight Arrow Connector 94"/>
-          <p:cNvCxnSpPr/>
-          <p:nvPr/>
-        </p:nvCxnSpPr>
-        <p:spPr>
-          <a:xfrm flipV="1">
-            <a:off x="5177865" y="3942488"/>
-            <a:ext cx="300683" cy="109253"/>
-          </a:xfrm>
-          <a:prstGeom prst="straightConnector1">
-            <a:avLst/>
-          </a:prstGeom>
-          <a:ln>
-            <a:solidFill>
-              <a:schemeClr val="tx1"/>
-            </a:solidFill>
-            <a:tailEnd type="arrow"/>
-          </a:ln>
-        </p:spPr>
-        <p:style>
-          <a:lnRef idx="1">
-            <a:schemeClr val="accent1"/>
-          </a:lnRef>
-          <a:fillRef idx="0">
-            <a:schemeClr val="accent1"/>
-          </a:fillRef>
-          <a:effectRef idx="0">
-            <a:schemeClr val="accent1"/>
-          </a:effectRef>
-          <a:fontRef idx="minor">
-            <a:schemeClr val="tx1"/>
-          </a:fontRef>
-        </p:style>
-      </p:cxnSp>
-      <p:cxnSp>
-        <p:nvCxnSpPr>
-          <p:cNvPr id="96" name="Straight Arrow Connector 95"/>
-          <p:cNvCxnSpPr>
-            <a:stCxn id="79" idx="6"/>
-          </p:cNvCxnSpPr>
-          <p:nvPr/>
-        </p:nvCxnSpPr>
-        <p:spPr>
-          <a:xfrm>
-            <a:off x="5205764" y="4042375"/>
-            <a:ext cx="244887" cy="385540"/>
-          </a:xfrm>
-          <a:prstGeom prst="straightConnector1">
-            <a:avLst/>
-          </a:prstGeom>
-          <a:ln>
-            <a:solidFill>
-              <a:schemeClr val="tx1"/>
-            </a:solidFill>
-            <a:tailEnd type="arrow"/>
-          </a:ln>
-        </p:spPr>
-        <p:style>
-          <a:lnRef idx="1">
-            <a:schemeClr val="accent1"/>
-          </a:lnRef>
-          <a:fillRef idx="0">
-            <a:schemeClr val="accent1"/>
-          </a:fillRef>
-          <a:effectRef idx="0">
-            <a:schemeClr val="accent1"/>
-          </a:effectRef>
-          <a:fontRef idx="minor">
-            <a:schemeClr val="tx1"/>
-          </a:fontRef>
-        </p:style>
-      </p:cxnSp>
-      <p:cxnSp>
-        <p:nvCxnSpPr>
-          <p:cNvPr id="97" name="Straight Arrow Connector 96"/>
-          <p:cNvCxnSpPr>
-            <a:stCxn id="79" idx="6"/>
-          </p:cNvCxnSpPr>
-          <p:nvPr/>
-        </p:nvCxnSpPr>
-        <p:spPr>
-          <a:xfrm flipV="1">
-            <a:off x="5205764" y="3525288"/>
-            <a:ext cx="300683" cy="517087"/>
-          </a:xfrm>
-          <a:prstGeom prst="straightConnector1">
-            <a:avLst/>
-          </a:prstGeom>
-          <a:ln>
-            <a:solidFill>
-              <a:schemeClr val="tx1"/>
-            </a:solidFill>
-            <a:tailEnd type="arrow"/>
-          </a:ln>
-        </p:spPr>
-        <p:style>
-          <a:lnRef idx="1">
-            <a:schemeClr val="accent1"/>
-          </a:lnRef>
-          <a:fillRef idx="0">
-            <a:schemeClr val="accent1"/>
-          </a:fillRef>
-          <a:effectRef idx="0">
-            <a:schemeClr val="accent1"/>
-          </a:effectRef>
-          <a:fontRef idx="minor">
-            <a:schemeClr val="tx1"/>
-          </a:fontRef>
-        </p:style>
-      </p:cxnSp>
-      <p:cxnSp>
-        <p:nvCxnSpPr>
-          <p:cNvPr id="98" name="Straight Arrow Connector 97"/>
-          <p:cNvCxnSpPr>
-            <a:stCxn id="78" idx="6"/>
-          </p:cNvCxnSpPr>
-          <p:nvPr/>
-        </p:nvCxnSpPr>
-        <p:spPr>
-          <a:xfrm>
-            <a:off x="5205764" y="3525287"/>
-            <a:ext cx="272783" cy="276559"/>
-          </a:xfrm>
-          <a:prstGeom prst="straightConnector1">
-            <a:avLst/>
-          </a:prstGeom>
-          <a:ln>
-            <a:solidFill>
-              <a:schemeClr val="tx1"/>
-            </a:solidFill>
-            <a:tailEnd type="arrow"/>
-          </a:ln>
-        </p:spPr>
-        <p:style>
-          <a:lnRef idx="1">
-            <a:schemeClr val="accent1"/>
-          </a:lnRef>
-          <a:fillRef idx="0">
-            <a:schemeClr val="accent1"/>
-          </a:fillRef>
-          <a:effectRef idx="0">
-            <a:schemeClr val="accent1"/>
-          </a:effectRef>
-          <a:fontRef idx="minor">
-            <a:schemeClr val="tx1"/>
-          </a:fontRef>
-        </p:style>
-      </p:cxnSp>
-      <p:cxnSp>
-        <p:nvCxnSpPr>
-          <p:cNvPr id="99" name="Straight Arrow Connector 98"/>
-          <p:cNvCxnSpPr>
-            <a:stCxn id="78" idx="6"/>
-          </p:cNvCxnSpPr>
-          <p:nvPr/>
-        </p:nvCxnSpPr>
-        <p:spPr>
-          <a:xfrm>
-            <a:off x="5205764" y="3525287"/>
-            <a:ext cx="233303" cy="843110"/>
-          </a:xfrm>
-          <a:prstGeom prst="straightConnector1">
-            <a:avLst/>
-          </a:prstGeom>
-          <a:ln>
-            <a:solidFill>
-              <a:schemeClr val="tx1"/>
-            </a:solidFill>
-            <a:tailEnd type="arrow"/>
-          </a:ln>
-        </p:spPr>
-        <p:style>
-          <a:lnRef idx="1">
-            <a:schemeClr val="accent1"/>
-          </a:lnRef>
-          <a:fillRef idx="0">
-            <a:schemeClr val="accent1"/>
-          </a:fillRef>
-          <a:effectRef idx="0">
-            <a:schemeClr val="accent1"/>
-          </a:effectRef>
-          <a:fontRef idx="minor">
-            <a:schemeClr val="tx1"/>
-          </a:fontRef>
-        </p:style>
-      </p:cxnSp>
-      <p:sp>
-        <p:nvSpPr>
-          <p:cNvPr id="100" name="Oval 99"/>
-          <p:cNvSpPr/>
-          <p:nvPr/>
-        </p:nvSpPr>
-        <p:spPr>
-          <a:xfrm>
-            <a:off x="6043964" y="3397903"/>
-            <a:ext cx="381000" cy="371806"/>
-          </a:xfrm>
-          <a:prstGeom prst="ellipse">
-            <a:avLst/>
-          </a:prstGeom>
-          <a:noFill/>
-          <a:ln>
-            <a:solidFill>
-              <a:schemeClr val="accent5">
-                <a:lumMod val="75000"/>
-              </a:schemeClr>
-            </a:solidFill>
-          </a:ln>
-        </p:spPr>
-        <p:style>
-          <a:lnRef idx="2">
-            <a:schemeClr val="accent1">
-              <a:shade val="50000"/>
-            </a:schemeClr>
-          </a:lnRef>
-          <a:fillRef idx="1">
-            <a:schemeClr val="accent1"/>
-          </a:fillRef>
-          <a:effectRef idx="0">
-            <a:schemeClr val="accent1"/>
-          </a:effectRef>
-          <a:fontRef idx="minor">
-            <a:schemeClr val="lt1"/>
-          </a:fontRef>
-        </p:style>
-        <p:txBody>
-          <a:bodyPr rtlCol="0" anchor="ctr"/>
-          <a:lstStyle/>
-          <a:p>
-            <a:pPr algn="ctr"/>
-            <a:endParaRPr lang="en-US"/>
-          </a:p>
-        </p:txBody>
-      </p:sp>
-      <p:cxnSp>
-        <p:nvCxnSpPr>
-          <p:cNvPr id="101" name="Straight Arrow Connector 100"/>
-          <p:cNvCxnSpPr>
-            <a:stCxn id="80" idx="5"/>
-            <a:endCxn id="100" idx="2"/>
-          </p:cNvCxnSpPr>
-          <p:nvPr/>
-        </p:nvCxnSpPr>
-        <p:spPr>
-          <a:xfrm>
-            <a:off x="5775855" y="2960888"/>
-            <a:ext cx="268109" cy="622918"/>
-          </a:xfrm>
-          <a:prstGeom prst="straightConnector1">
-            <a:avLst/>
-          </a:prstGeom>
-          <a:ln>
-            <a:solidFill>
-              <a:schemeClr val="tx1"/>
-            </a:solidFill>
-            <a:tailEnd type="arrow"/>
-          </a:ln>
-        </p:spPr>
-        <p:style>
-          <a:lnRef idx="1">
-            <a:schemeClr val="accent1"/>
-          </a:lnRef>
-          <a:fillRef idx="0">
-            <a:schemeClr val="accent1"/>
-          </a:fillRef>
-          <a:effectRef idx="0">
-            <a:schemeClr val="accent1"/>
-          </a:effectRef>
-          <a:fontRef idx="minor">
-            <a:schemeClr val="tx1"/>
-          </a:fontRef>
-        </p:style>
-      </p:cxnSp>
-      <p:sp>
-        <p:nvSpPr>
-          <p:cNvPr id="102" name="TextBox 101"/>
-          <p:cNvSpPr txBox="1"/>
-          <p:nvPr/>
-        </p:nvSpPr>
-        <p:spPr>
-          <a:xfrm>
-            <a:off x="5015264" y="2287315"/>
-            <a:ext cx="1201676" cy="276999"/>
-          </a:xfrm>
-          <a:prstGeom prst="rect">
-            <a:avLst/>
-          </a:prstGeom>
-          <a:noFill/>
-        </p:spPr>
-        <p:txBody>
-          <a:bodyPr wrap="none" rtlCol="0">
-            <a:spAutoFit/>
-          </a:bodyPr>
-          <a:lstStyle/>
-          <a:p>
-            <a:r>
-              <a:rPr lang="en-US" sz="1200" b="1" dirty="0" smtClean="0"/>
-              <a:t>Neural Network</a:t>
-            </a:r>
-            <a:endParaRPr lang="en-US" sz="1200" b="1" dirty="0"/>
-          </a:p>
-        </p:txBody>
-      </p:sp>
-      <p:cxnSp>
-        <p:nvCxnSpPr>
-          <p:cNvPr id="103" name="Straight Arrow Connector 102"/>
-          <p:cNvCxnSpPr>
-            <a:endCxn id="100" idx="2"/>
-          </p:cNvCxnSpPr>
-          <p:nvPr/>
-        </p:nvCxnSpPr>
-        <p:spPr>
-          <a:xfrm>
-            <a:off x="5826415" y="3440595"/>
-            <a:ext cx="217549" cy="143211"/>
-          </a:xfrm>
-          <a:prstGeom prst="straightConnector1">
-            <a:avLst/>
-          </a:prstGeom>
-          <a:ln>
-            <a:solidFill>
-              <a:schemeClr val="tx1"/>
-            </a:solidFill>
-            <a:tailEnd type="arrow"/>
-          </a:ln>
-        </p:spPr>
-        <p:style>
-          <a:lnRef idx="1">
-            <a:schemeClr val="accent1"/>
-          </a:lnRef>
-          <a:fillRef idx="0">
-            <a:schemeClr val="accent1"/>
-          </a:fillRef>
-          <a:effectRef idx="0">
-            <a:schemeClr val="accent1"/>
-          </a:effectRef>
-          <a:fontRef idx="minor">
-            <a:schemeClr val="tx1"/>
-          </a:fontRef>
-        </p:style>
-      </p:cxnSp>
-      <p:cxnSp>
-        <p:nvCxnSpPr>
-          <p:cNvPr id="104" name="Straight Arrow Connector 103"/>
-          <p:cNvCxnSpPr>
-            <a:endCxn id="100" idx="2"/>
-          </p:cNvCxnSpPr>
-          <p:nvPr/>
-        </p:nvCxnSpPr>
-        <p:spPr>
-          <a:xfrm flipV="1">
-            <a:off x="5846991" y="3583806"/>
-            <a:ext cx="196973" cy="305766"/>
-          </a:xfrm>
-          <a:prstGeom prst="straightConnector1">
-            <a:avLst/>
-          </a:prstGeom>
-          <a:ln>
-            <a:solidFill>
-              <a:schemeClr val="tx1"/>
-            </a:solidFill>
-            <a:tailEnd type="arrow"/>
-          </a:ln>
-        </p:spPr>
-        <p:style>
-          <a:lnRef idx="1">
-            <a:schemeClr val="accent1"/>
-          </a:lnRef>
-          <a:fillRef idx="0">
-            <a:schemeClr val="accent1"/>
-          </a:fillRef>
-          <a:effectRef idx="0">
-            <a:schemeClr val="accent1"/>
-          </a:effectRef>
-          <a:fontRef idx="minor">
-            <a:schemeClr val="tx1"/>
-          </a:fontRef>
-        </p:style>
-      </p:cxnSp>
-      <p:cxnSp>
-        <p:nvCxnSpPr>
-          <p:cNvPr id="105" name="Straight Arrow Connector 104"/>
-          <p:cNvCxnSpPr/>
-          <p:nvPr/>
-        </p:nvCxnSpPr>
-        <p:spPr>
-          <a:xfrm flipV="1">
-            <a:off x="5846991" y="3658244"/>
-            <a:ext cx="161952" cy="710153"/>
-          </a:xfrm>
-          <a:prstGeom prst="straightConnector1">
-            <a:avLst/>
-          </a:prstGeom>
-          <a:ln>
-            <a:solidFill>
-              <a:schemeClr val="tx1"/>
-            </a:solidFill>
-            <a:tailEnd type="arrow"/>
-          </a:ln>
-        </p:spPr>
-        <p:style>
-          <a:lnRef idx="1">
-            <a:schemeClr val="accent1"/>
-          </a:lnRef>
-          <a:fillRef idx="0">
-            <a:schemeClr val="accent1"/>
-          </a:fillRef>
-          <a:effectRef idx="0">
-            <a:schemeClr val="accent1"/>
-          </a:effectRef>
-          <a:fontRef idx="minor">
-            <a:schemeClr val="tx1"/>
-          </a:fontRef>
-        </p:style>
-      </p:cxnSp>
-      <p:sp>
-        <p:nvSpPr>
-          <p:cNvPr id="106" name="Right Arrow 105"/>
-          <p:cNvSpPr/>
-          <p:nvPr/>
-        </p:nvSpPr>
-        <p:spPr>
-          <a:xfrm>
-            <a:off x="6667500" y="3532622"/>
-            <a:ext cx="457200" cy="45719"/>
-          </a:xfrm>
-          <a:prstGeom prst="rightArrow">
-            <a:avLst/>
-          </a:prstGeom>
-          <a:solidFill>
-            <a:schemeClr val="bg1">
-              <a:lumMod val="50000"/>
-            </a:schemeClr>
-          </a:solidFill>
-          <a:ln>
-            <a:solidFill>
-              <a:schemeClr val="bg1">
-                <a:lumMod val="50000"/>
-              </a:schemeClr>
-            </a:solidFill>
-          </a:ln>
-        </p:spPr>
-        <p:style>
-          <a:lnRef idx="2">
-            <a:schemeClr val="accent1">
-              <a:shade val="50000"/>
-            </a:schemeClr>
-          </a:lnRef>
-          <a:fillRef idx="1">
-            <a:schemeClr val="accent1"/>
-          </a:fillRef>
-          <a:effectRef idx="0">
-            <a:schemeClr val="accent1"/>
-          </a:effectRef>
-          <a:fontRef idx="minor">
-            <a:schemeClr val="lt1"/>
-          </a:fontRef>
-        </p:style>
-        <p:txBody>
-          <a:bodyPr rtlCol="0" anchor="ctr"/>
-          <a:lstStyle/>
-          <a:p>
-            <a:pPr algn="ctr"/>
-            <a:endParaRPr lang="en-US"/>
-          </a:p>
-        </p:txBody>
-      </p:sp>
-      <mc:AlternateContent xmlns:mc="http://schemas.openxmlformats.org/markup-compatibility/2006" xmlns:a14="http://schemas.microsoft.com/office/drawing/2010/main">
-        <mc:Choice Requires="a14">
-          <p:sp>
-            <p:nvSpPr>
-              <p:cNvPr id="107" name="TextBox 106"/>
-              <p:cNvSpPr txBox="1"/>
-              <p:nvPr/>
-            </p:nvSpPr>
-            <p:spPr>
-              <a:xfrm>
-                <a:off x="7315200" y="3361972"/>
-                <a:ext cx="1076449" cy="358175"/>
-              </a:xfrm>
-              <a:prstGeom prst="rect">
-                <a:avLst/>
-              </a:prstGeom>
-              <a:noFill/>
-            </p:spPr>
-            <p:txBody>
-              <a:bodyPr wrap="none" rtlCol="0">
-                <a:spAutoFit/>
-              </a:bodyPr>
-              <a:lstStyle/>
-              <a:p>
-                <a:r>
-                  <a:rPr lang="en-US" sz="1200" b="1" dirty="0" smtClean="0"/>
-                  <a:t>C = </a:t>
-                </a:r>
-                <a14:m>
-                  <m:oMath xmlns:m="http://schemas.openxmlformats.org/officeDocument/2006/math">
-                    <m:f>
-                      <m:fPr>
-                        <m:ctrlPr>
-                          <a:rPr lang="en-US" sz="1200" b="1" i="1" smtClean="0">
-                            <a:latin typeface="Cambria Math"/>
-                          </a:rPr>
-                        </m:ctrlPr>
-                      </m:fPr>
-                      <m:num>
-                        <m:r>
-                          <a:rPr lang="en-US" sz="1200" b="1" i="1" smtClean="0">
-                            <a:latin typeface="Cambria Math"/>
-                          </a:rPr>
-                          <m:t>𝟏</m:t>
-                        </m:r>
-                      </m:num>
-                      <m:den>
-                        <m:r>
-                          <a:rPr lang="en-US" sz="1200" b="1" i="1" smtClean="0">
-                            <a:latin typeface="Cambria Math"/>
-                          </a:rPr>
-                          <m:t>𝟐</m:t>
-                        </m:r>
-                      </m:den>
-                    </m:f>
-                    <m:d>
-                      <m:dPr>
-                        <m:ctrlPr>
-                          <a:rPr lang="en-US" sz="1200" b="1" i="1" smtClean="0">
-                            <a:latin typeface="Cambria Math"/>
-                          </a:rPr>
-                        </m:ctrlPr>
-                      </m:dPr>
-                      <m:e>
-                        <m:r>
-                          <a:rPr lang="en-US" sz="1200" b="1" i="1" smtClean="0">
-                            <a:latin typeface="Cambria Math"/>
-                          </a:rPr>
-                          <m:t>𝒚</m:t>
-                        </m:r>
-                        <m:r>
-                          <a:rPr lang="en-US" sz="1200" b="1" i="1" smtClean="0">
-                            <a:latin typeface="Cambria Math"/>
-                          </a:rPr>
-                          <m:t> −</m:t>
-                        </m:r>
-                        <m:r>
-                          <m:rPr>
-                            <m:nor/>
-                          </m:rPr>
-                          <a:rPr lang="cy-GB" sz="1200" b="1" dirty="0"/>
-                          <m:t>ŷ</m:t>
-                        </m:r>
-                      </m:e>
-                    </m:d>
-                    <m:r>
-                      <a:rPr lang="en-US" sz="1200" b="1" i="1" baseline="30000" smtClean="0">
-                        <a:latin typeface="Cambria Math"/>
-                      </a:rPr>
-                      <m:t>𝟐</m:t>
-                    </m:r>
-                  </m:oMath>
-                </a14:m>
-                <a:endParaRPr lang="en-US" sz="1200" b="1" baseline="30000" dirty="0"/>
-              </a:p>
-            </p:txBody>
-          </p:sp>
-        </mc:Choice>
-        <mc:Fallback xmlns="">
-          <p:sp>
-            <p:nvSpPr>
-              <p:cNvPr id="107" name="TextBox 106"/>
-              <p:cNvSpPr txBox="1">
-                <a:spLocks noRot="1" noChangeAspect="1" noMove="1" noResize="1" noEditPoints="1" noAdjustHandles="1" noChangeArrowheads="1" noChangeShapeType="1" noTextEdit="1"/>
-              </p:cNvSpPr>
-              <p:nvPr/>
-            </p:nvSpPr>
-            <p:spPr>
-              <a:xfrm>
-                <a:off x="7315200" y="3361972"/>
-                <a:ext cx="1076449" cy="358175"/>
-              </a:xfrm>
-              <a:prstGeom prst="rect">
-                <a:avLst/>
-              </a:prstGeom>
-              <a:blipFill rotWithShape="1">
-                <a:blip r:embed="rId2"/>
-                <a:stretch>
-                  <a:fillRect b="-5172"/>
-                </a:stretch>
-              </a:blipFill>
-            </p:spPr>
-            <p:txBody>
-              <a:bodyPr/>
-              <a:lstStyle/>
-              <a:p>
-                <a:r>
-                  <a:rPr lang="en-US">
-                    <a:noFill/>
-                  </a:rPr>
-                  <a:t> </a:t>
-                </a:r>
-              </a:p>
-            </p:txBody>
-          </p:sp>
-        </mc:Fallback>
-      </mc:AlternateContent>
-      <p:sp>
-        <p:nvSpPr>
-          <p:cNvPr id="108" name="TextBox 107"/>
-          <p:cNvSpPr txBox="1"/>
-          <p:nvPr/>
-        </p:nvSpPr>
-        <p:spPr>
-          <a:xfrm>
-            <a:off x="7005115" y="2775711"/>
-            <a:ext cx="1696618" cy="276999"/>
-          </a:xfrm>
-          <a:prstGeom prst="rect">
-            <a:avLst/>
-          </a:prstGeom>
-          <a:noFill/>
-        </p:spPr>
-        <p:txBody>
-          <a:bodyPr wrap="none" rtlCol="0">
-            <a:spAutoFit/>
-          </a:bodyPr>
-          <a:lstStyle/>
-          <a:p>
-            <a:r>
-              <a:rPr lang="en-US" sz="1200" dirty="0" smtClean="0">
-                <a:solidFill>
-                  <a:schemeClr val="accent6">
-                    <a:lumMod val="75000"/>
-                  </a:schemeClr>
-                </a:solidFill>
-              </a:rPr>
-              <a:t>Calculate the cost (loss).</a:t>
-            </a:r>
-            <a:endParaRPr lang="en-US" sz="1200" dirty="0">
-              <a:solidFill>
-                <a:schemeClr val="accent6">
-                  <a:lumMod val="75000"/>
-                </a:schemeClr>
-              </a:solidFill>
-            </a:endParaRPr>
-          </a:p>
-        </p:txBody>
-      </p:sp>
-      <p:cxnSp>
-        <p:nvCxnSpPr>
-          <p:cNvPr id="109" name="Straight Arrow Connector 108"/>
-          <p:cNvCxnSpPr/>
-          <p:nvPr/>
-        </p:nvCxnSpPr>
-        <p:spPr>
-          <a:xfrm>
-            <a:off x="7772400" y="3052711"/>
-            <a:ext cx="0" cy="387884"/>
-          </a:xfrm>
-          <a:prstGeom prst="straightConnector1">
-            <a:avLst/>
-          </a:prstGeom>
-          <a:ln>
-            <a:solidFill>
-              <a:schemeClr val="accent6">
-                <a:lumMod val="75000"/>
-              </a:schemeClr>
-            </a:solidFill>
-            <a:tailEnd type="arrow"/>
-          </a:ln>
-        </p:spPr>
-        <p:style>
-          <a:lnRef idx="1">
-            <a:schemeClr val="accent1"/>
-          </a:lnRef>
-          <a:fillRef idx="0">
-            <a:schemeClr val="accent1"/>
-          </a:fillRef>
-          <a:effectRef idx="0">
-            <a:schemeClr val="accent1"/>
-          </a:effectRef>
-          <a:fontRef idx="minor">
-            <a:schemeClr val="tx1"/>
-          </a:fontRef>
-        </p:style>
-      </p:cxnSp>
-      <p:sp>
-        <p:nvSpPr>
-          <p:cNvPr id="110" name="Right Arrow 109"/>
-          <p:cNvSpPr/>
-          <p:nvPr/>
-        </p:nvSpPr>
-        <p:spPr>
-          <a:xfrm rot="5400000">
-            <a:off x="7498014" y="4062213"/>
-            <a:ext cx="457200" cy="45719"/>
-          </a:xfrm>
-          <a:prstGeom prst="rightArrow">
-            <a:avLst/>
-          </a:prstGeom>
-          <a:solidFill>
-            <a:schemeClr val="bg1">
-              <a:lumMod val="50000"/>
-            </a:schemeClr>
-          </a:solidFill>
-          <a:ln>
-            <a:solidFill>
-              <a:schemeClr val="bg1">
-                <a:lumMod val="50000"/>
-              </a:schemeClr>
-            </a:solidFill>
-          </a:ln>
-        </p:spPr>
-        <p:style>
-          <a:lnRef idx="2">
-            <a:schemeClr val="accent1">
-              <a:shade val="50000"/>
-            </a:schemeClr>
-          </a:lnRef>
-          <a:fillRef idx="1">
-            <a:schemeClr val="accent1"/>
-          </a:fillRef>
-          <a:effectRef idx="0">
-            <a:schemeClr val="accent1"/>
-          </a:effectRef>
-          <a:fontRef idx="minor">
-            <a:schemeClr val="lt1"/>
-          </a:fontRef>
-        </p:style>
-        <p:txBody>
-          <a:bodyPr rtlCol="0" anchor="ctr"/>
-          <a:lstStyle/>
-          <a:p>
-            <a:pPr algn="ctr"/>
-            <a:endParaRPr lang="en-US"/>
-          </a:p>
-        </p:txBody>
-      </p:sp>
-      <p:sp>
-        <p:nvSpPr>
-          <p:cNvPr id="37" name="Hexagon 36"/>
-          <p:cNvSpPr/>
-          <p:nvPr/>
-        </p:nvSpPr>
-        <p:spPr>
-          <a:xfrm>
-            <a:off x="7143750" y="4427915"/>
-            <a:ext cx="1266949" cy="1106074"/>
-          </a:xfrm>
-          <a:prstGeom prst="hexagon">
-            <a:avLst/>
-          </a:prstGeom>
-          <a:solidFill>
-            <a:srgbClr val="00B050"/>
-          </a:solidFill>
-          <a:ln>
-            <a:solidFill>
-              <a:srgbClr val="00B050"/>
-            </a:solidFill>
-          </a:ln>
-        </p:spPr>
-        <p:style>
-          <a:lnRef idx="2">
-            <a:schemeClr val="accent1">
-              <a:shade val="50000"/>
-            </a:schemeClr>
-          </a:lnRef>
-          <a:fillRef idx="1">
-            <a:schemeClr val="accent1"/>
-          </a:fillRef>
-          <a:effectRef idx="0">
-            <a:schemeClr val="accent1"/>
-          </a:effectRef>
-          <a:fontRef idx="minor">
-            <a:schemeClr val="lt1"/>
-          </a:fontRef>
-        </p:style>
-        <p:txBody>
-          <a:bodyPr rtlCol="0" anchor="ctr"/>
-          <a:lstStyle/>
-          <a:p>
-            <a:pPr algn="ctr"/>
-            <a:r>
-              <a:rPr lang="en-US" sz="1400" b="1" dirty="0" smtClean="0"/>
-              <a:t>Converge ?</a:t>
-            </a:r>
-            <a:endParaRPr lang="en-US" sz="1400" b="1" dirty="0"/>
-          </a:p>
-        </p:txBody>
-      </p:sp>
-      <p:sp>
-        <p:nvSpPr>
-          <p:cNvPr id="111" name="TextBox 110"/>
-          <p:cNvSpPr txBox="1"/>
-          <p:nvPr/>
-        </p:nvSpPr>
-        <p:spPr>
-          <a:xfrm>
-            <a:off x="7315200" y="6172200"/>
-            <a:ext cx="1630318" cy="461665"/>
-          </a:xfrm>
-          <a:prstGeom prst="rect">
-            <a:avLst/>
-          </a:prstGeom>
-          <a:noFill/>
-        </p:spPr>
-        <p:txBody>
-          <a:bodyPr wrap="none" rtlCol="0">
-            <a:spAutoFit/>
-          </a:bodyPr>
-          <a:lstStyle/>
-          <a:p>
-            <a:r>
-              <a:rPr lang="en-US" sz="1200" dirty="0" smtClean="0">
-                <a:solidFill>
-                  <a:srgbClr val="FF0000"/>
-                </a:solidFill>
-              </a:rPr>
-              <a:t>Can’t minimize the loss</a:t>
-            </a:r>
-          </a:p>
-          <a:p>
-            <a:r>
-              <a:rPr lang="en-US" sz="1200" dirty="0" smtClean="0">
-                <a:solidFill>
-                  <a:srgbClr val="FF0000"/>
-                </a:solidFill>
-              </a:rPr>
-              <a:t>Anymore.</a:t>
-            </a:r>
-            <a:endParaRPr lang="en-US" sz="1200" dirty="0">
-              <a:solidFill>
-                <a:srgbClr val="FF0000"/>
-              </a:solidFill>
-            </a:endParaRPr>
-          </a:p>
-        </p:txBody>
-      </p:sp>
-      <p:cxnSp>
-        <p:nvCxnSpPr>
-          <p:cNvPr id="112" name="Straight Arrow Connector 111"/>
-          <p:cNvCxnSpPr/>
-          <p:nvPr/>
-        </p:nvCxnSpPr>
-        <p:spPr>
-          <a:xfrm flipH="1" flipV="1">
-            <a:off x="7896934" y="5628258"/>
-            <a:ext cx="466849" cy="543942"/>
-          </a:xfrm>
-          <a:prstGeom prst="straightConnector1">
-            <a:avLst/>
-          </a:prstGeom>
-          <a:ln>
-            <a:solidFill>
-              <a:srgbClr val="FF0000"/>
-            </a:solidFill>
-            <a:tailEnd type="arrow"/>
-          </a:ln>
-        </p:spPr>
-        <p:style>
-          <a:lnRef idx="1">
-            <a:schemeClr val="accent1"/>
-          </a:lnRef>
-          <a:fillRef idx="0">
-            <a:schemeClr val="accent1"/>
-          </a:fillRef>
-          <a:effectRef idx="0">
-            <a:schemeClr val="accent1"/>
-          </a:effectRef>
-          <a:fontRef idx="minor">
-            <a:schemeClr val="tx1"/>
-          </a:fontRef>
-        </p:style>
-      </p:cxnSp>
-      <p:sp>
-        <p:nvSpPr>
-          <p:cNvPr id="114" name="Right Arrow 113"/>
-          <p:cNvSpPr/>
-          <p:nvPr/>
-        </p:nvSpPr>
-        <p:spPr>
-          <a:xfrm rot="16200000">
-            <a:off x="2592008" y="4343523"/>
-            <a:ext cx="1216780" cy="45719"/>
-          </a:xfrm>
-          <a:prstGeom prst="rightArrow">
-            <a:avLst/>
-          </a:prstGeom>
-          <a:solidFill>
-            <a:schemeClr val="bg1">
-              <a:lumMod val="50000"/>
-            </a:schemeClr>
-          </a:solidFill>
-          <a:ln>
-            <a:solidFill>
-              <a:schemeClr val="bg1">
-                <a:lumMod val="50000"/>
-              </a:schemeClr>
-            </a:solidFill>
-          </a:ln>
-        </p:spPr>
-        <p:style>
-          <a:lnRef idx="2">
-            <a:schemeClr val="accent1">
-              <a:shade val="50000"/>
-            </a:schemeClr>
-          </a:lnRef>
-          <a:fillRef idx="1">
-            <a:schemeClr val="accent1"/>
-          </a:fillRef>
-          <a:effectRef idx="0">
-            <a:schemeClr val="accent1"/>
-          </a:effectRef>
-          <a:fontRef idx="minor">
-            <a:schemeClr val="lt1"/>
-          </a:fontRef>
-        </p:style>
-        <p:txBody>
-          <a:bodyPr rtlCol="0" anchor="ctr"/>
-          <a:lstStyle/>
-          <a:p>
-            <a:pPr algn="ctr"/>
-            <a:endParaRPr lang="en-US"/>
-          </a:p>
-        </p:txBody>
-      </p:sp>
-      <p:cxnSp>
-        <p:nvCxnSpPr>
-          <p:cNvPr id="113" name="Straight Connector 112"/>
-          <p:cNvCxnSpPr>
-            <a:endCxn id="114" idx="1"/>
-          </p:cNvCxnSpPr>
-          <p:nvPr/>
-        </p:nvCxnSpPr>
-        <p:spPr>
-          <a:xfrm flipH="1" flipV="1">
-            <a:off x="3200399" y="4974773"/>
-            <a:ext cx="1371601" cy="6179"/>
-          </a:xfrm>
-          <a:prstGeom prst="line">
-            <a:avLst/>
-          </a:prstGeom>
-          <a:ln w="38100">
-            <a:solidFill>
-              <a:schemeClr val="bg1">
-                <a:lumMod val="50000"/>
-              </a:schemeClr>
-            </a:solidFill>
-          </a:ln>
-        </p:spPr>
-        <p:style>
-          <a:lnRef idx="1">
-            <a:schemeClr val="accent1"/>
-          </a:lnRef>
-          <a:fillRef idx="0">
-            <a:schemeClr val="accent1"/>
-          </a:fillRef>
-          <a:effectRef idx="0">
-            <a:schemeClr val="accent1"/>
-          </a:effectRef>
-          <a:fontRef idx="minor">
-            <a:schemeClr val="tx1"/>
-          </a:fontRef>
-        </p:style>
-      </p:cxnSp>
-      <p:sp>
-        <p:nvSpPr>
-          <p:cNvPr id="117" name="TextBox 116"/>
-          <p:cNvSpPr txBox="1"/>
-          <p:nvPr/>
-        </p:nvSpPr>
-        <p:spPr>
-          <a:xfrm>
-            <a:off x="2178616" y="5288976"/>
-            <a:ext cx="1707583" cy="461665"/>
-          </a:xfrm>
-          <a:prstGeom prst="rect">
-            <a:avLst/>
-          </a:prstGeom>
-          <a:noFill/>
-        </p:spPr>
-        <p:txBody>
-          <a:bodyPr wrap="none" rtlCol="0">
-            <a:spAutoFit/>
-          </a:bodyPr>
-          <a:lstStyle/>
-          <a:p>
-            <a:r>
-              <a:rPr lang="en-US" sz="1200" dirty="0" smtClean="0">
-                <a:solidFill>
-                  <a:schemeClr val="accent6">
-                    <a:lumMod val="75000"/>
-                  </a:schemeClr>
-                </a:solidFill>
-              </a:rPr>
-              <a:t>Refeed same data while </a:t>
-            </a:r>
-            <a:br>
-              <a:rPr lang="en-US" sz="1200" dirty="0" smtClean="0">
-                <a:solidFill>
-                  <a:schemeClr val="accent6">
-                    <a:lumMod val="75000"/>
-                  </a:schemeClr>
-                </a:solidFill>
-              </a:rPr>
-            </a:br>
-            <a:r>
-              <a:rPr lang="en-US" sz="1200" dirty="0" smtClean="0">
-                <a:solidFill>
-                  <a:schemeClr val="accent6">
-                    <a:lumMod val="75000"/>
-                  </a:schemeClr>
-                </a:solidFill>
-              </a:rPr>
-              <a:t>still minimizing loss</a:t>
-            </a:r>
-            <a:endParaRPr lang="en-US" sz="1200" dirty="0">
-              <a:solidFill>
-                <a:schemeClr val="accent6">
-                  <a:lumMod val="75000"/>
-                </a:schemeClr>
-              </a:solidFill>
-            </a:endParaRPr>
-          </a:p>
-        </p:txBody>
-      </p:sp>
-      <p:sp>
-        <p:nvSpPr>
-          <p:cNvPr id="120" name="Rounded Rectangle 119"/>
-          <p:cNvSpPr/>
-          <p:nvPr/>
-        </p:nvSpPr>
-        <p:spPr>
-          <a:xfrm>
-            <a:off x="4726352" y="4866652"/>
-            <a:ext cx="1779500" cy="228600"/>
-          </a:xfrm>
-          <a:prstGeom prst="roundRect">
-            <a:avLst/>
-          </a:prstGeom>
-          <a:solidFill>
-            <a:srgbClr val="00B050"/>
-          </a:solidFill>
-          <a:ln>
-            <a:solidFill>
-              <a:srgbClr val="00B050"/>
-            </a:solidFill>
-          </a:ln>
-        </p:spPr>
-        <p:style>
-          <a:lnRef idx="2">
-            <a:schemeClr val="accent1">
-              <a:shade val="50000"/>
-            </a:schemeClr>
-          </a:lnRef>
-          <a:fillRef idx="1">
-            <a:schemeClr val="accent1"/>
-          </a:fillRef>
-          <a:effectRef idx="0">
-            <a:schemeClr val="accent1"/>
-          </a:effectRef>
-          <a:fontRef idx="minor">
-            <a:schemeClr val="lt1"/>
-          </a:fontRef>
-        </p:style>
-        <p:txBody>
-          <a:bodyPr rtlCol="0" anchor="ctr"/>
-          <a:lstStyle/>
-          <a:p>
-            <a:pPr algn="ctr"/>
-            <a:r>
-              <a:rPr lang="en-US" dirty="0" smtClean="0"/>
-              <a:t>Adjust Weights</a:t>
-            </a:r>
-            <a:endParaRPr lang="en-US" dirty="0"/>
-          </a:p>
-        </p:txBody>
-      </p:sp>
-      <p:sp>
-        <p:nvSpPr>
-          <p:cNvPr id="123" name="Right Arrow 122"/>
-          <p:cNvSpPr/>
-          <p:nvPr/>
-        </p:nvSpPr>
-        <p:spPr>
-          <a:xfrm rot="10800000">
-            <a:off x="6573229" y="4951913"/>
-            <a:ext cx="457200" cy="45719"/>
-          </a:xfrm>
-          <a:prstGeom prst="rightArrow">
-            <a:avLst/>
-          </a:prstGeom>
-          <a:solidFill>
-            <a:schemeClr val="bg1">
-              <a:lumMod val="50000"/>
-            </a:schemeClr>
-          </a:solidFill>
-          <a:ln>
-            <a:solidFill>
-              <a:schemeClr val="bg1">
-                <a:lumMod val="50000"/>
-              </a:schemeClr>
-            </a:solidFill>
-          </a:ln>
-        </p:spPr>
-        <p:style>
-          <a:lnRef idx="2">
-            <a:schemeClr val="accent1">
-              <a:shade val="50000"/>
-            </a:schemeClr>
-          </a:lnRef>
-          <a:fillRef idx="1">
-            <a:schemeClr val="accent1"/>
-          </a:fillRef>
-          <a:effectRef idx="0">
-            <a:schemeClr val="accent1"/>
-          </a:effectRef>
-          <a:fontRef idx="minor">
-            <a:schemeClr val="lt1"/>
-          </a:fontRef>
-        </p:style>
-        <p:txBody>
-          <a:bodyPr rtlCol="0" anchor="ctr"/>
-          <a:lstStyle/>
-          <a:p>
-            <a:pPr algn="ctr"/>
-            <a:endParaRPr lang="en-US"/>
-          </a:p>
-        </p:txBody>
-      </p:sp>
-      <p:cxnSp>
-        <p:nvCxnSpPr>
-          <p:cNvPr id="124" name="Straight Arrow Connector 123"/>
-          <p:cNvCxnSpPr/>
-          <p:nvPr/>
-        </p:nvCxnSpPr>
-        <p:spPr>
-          <a:xfrm flipV="1">
-            <a:off x="3066006" y="5095252"/>
-            <a:ext cx="439193" cy="213496"/>
-          </a:xfrm>
-          <a:prstGeom prst="straightConnector1">
-            <a:avLst/>
-          </a:prstGeom>
-          <a:ln>
-            <a:solidFill>
-              <a:schemeClr val="accent6">
-                <a:lumMod val="75000"/>
-              </a:schemeClr>
-            </a:solidFill>
-            <a:tailEnd type="arrow"/>
-          </a:ln>
-        </p:spPr>
-        <p:style>
-          <a:lnRef idx="1">
-            <a:schemeClr val="accent1"/>
-          </a:lnRef>
-          <a:fillRef idx="0">
-            <a:schemeClr val="accent1"/>
-          </a:fillRef>
-          <a:effectRef idx="0">
-            <a:schemeClr val="accent1"/>
-          </a:effectRef>
-          <a:fontRef idx="minor">
-            <a:schemeClr val="tx1"/>
-          </a:fontRef>
-        </p:style>
-      </p:cxnSp>
-      <p:cxnSp>
-        <p:nvCxnSpPr>
-          <p:cNvPr id="126" name="Straight Connector 125"/>
-          <p:cNvCxnSpPr/>
-          <p:nvPr/>
-        </p:nvCxnSpPr>
-        <p:spPr>
-          <a:xfrm>
-            <a:off x="7768942" y="5561976"/>
-            <a:ext cx="3458" cy="457824"/>
-          </a:xfrm>
-          <a:prstGeom prst="line">
-            <a:avLst/>
-          </a:prstGeom>
-          <a:ln w="38100">
-            <a:solidFill>
-              <a:schemeClr val="bg1">
-                <a:lumMod val="50000"/>
-              </a:schemeClr>
-            </a:solidFill>
-          </a:ln>
-        </p:spPr>
-        <p:style>
-          <a:lnRef idx="1">
-            <a:schemeClr val="accent1"/>
-          </a:lnRef>
-          <a:fillRef idx="0">
-            <a:schemeClr val="accent1"/>
-          </a:fillRef>
-          <a:effectRef idx="0">
-            <a:schemeClr val="accent1"/>
-          </a:effectRef>
-          <a:fontRef idx="minor">
-            <a:schemeClr val="tx1"/>
-          </a:fontRef>
-        </p:style>
-      </p:cxnSp>
-      <p:cxnSp>
-        <p:nvCxnSpPr>
-          <p:cNvPr id="129" name="Straight Connector 128"/>
-          <p:cNvCxnSpPr/>
-          <p:nvPr/>
-        </p:nvCxnSpPr>
-        <p:spPr>
-          <a:xfrm flipH="1" flipV="1">
-            <a:off x="1104900" y="6019800"/>
-            <a:ext cx="6691666" cy="1"/>
-          </a:xfrm>
-          <a:prstGeom prst="line">
-            <a:avLst/>
-          </a:prstGeom>
-          <a:ln w="38100">
-            <a:solidFill>
-              <a:schemeClr val="bg1">
-                <a:lumMod val="50000"/>
-              </a:schemeClr>
-            </a:solidFill>
-          </a:ln>
-        </p:spPr>
-        <p:style>
-          <a:lnRef idx="1">
-            <a:schemeClr val="accent1"/>
-          </a:lnRef>
-          <a:fillRef idx="0">
-            <a:schemeClr val="accent1"/>
-          </a:fillRef>
-          <a:effectRef idx="0">
-            <a:schemeClr val="accent1"/>
-          </a:effectRef>
-          <a:fontRef idx="minor">
-            <a:schemeClr val="tx1"/>
-          </a:fontRef>
-        </p:style>
-      </p:cxnSp>
-      <p:sp>
-        <p:nvSpPr>
-          <p:cNvPr id="132" name="TextBox 131"/>
-          <p:cNvSpPr txBox="1"/>
-          <p:nvPr/>
-        </p:nvSpPr>
-        <p:spPr>
-          <a:xfrm>
-            <a:off x="4762310" y="5288976"/>
-            <a:ext cx="2111860" cy="461665"/>
-          </a:xfrm>
-          <a:prstGeom prst="rect">
-            <a:avLst/>
-          </a:prstGeom>
-          <a:noFill/>
-        </p:spPr>
-        <p:txBody>
-          <a:bodyPr wrap="none" rtlCol="0">
-            <a:spAutoFit/>
-          </a:bodyPr>
-          <a:lstStyle/>
-          <a:p>
-            <a:r>
-              <a:rPr lang="en-US" sz="1200" dirty="0" smtClean="0">
-                <a:solidFill>
-                  <a:schemeClr val="accent6">
-                    <a:lumMod val="75000"/>
-                  </a:schemeClr>
-                </a:solidFill>
-              </a:rPr>
-              <a:t>Make small adjustments to</a:t>
-            </a:r>
-          </a:p>
-          <a:p>
-            <a:r>
-              <a:rPr lang="en-US" sz="1200" dirty="0" smtClean="0">
-                <a:solidFill>
-                  <a:schemeClr val="accent6">
-                    <a:lumMod val="75000"/>
-                  </a:schemeClr>
-                </a:solidFill>
-              </a:rPr>
-              <a:t>weights in the neural network.</a:t>
-            </a:r>
-            <a:endParaRPr lang="en-US" sz="1200" dirty="0">
-              <a:solidFill>
-                <a:schemeClr val="accent6">
-                  <a:lumMod val="75000"/>
-                </a:schemeClr>
-              </a:solidFill>
-            </a:endParaRPr>
-          </a:p>
-        </p:txBody>
-      </p:sp>
-      <p:sp>
-        <p:nvSpPr>
-          <p:cNvPr id="133" name="Right Arrow 132"/>
-          <p:cNvSpPr/>
-          <p:nvPr/>
-        </p:nvSpPr>
-        <p:spPr>
-          <a:xfrm rot="16200000">
-            <a:off x="64794" y="4940158"/>
-            <a:ext cx="2118313" cy="45719"/>
-          </a:xfrm>
-          <a:prstGeom prst="rightArrow">
-            <a:avLst/>
-          </a:prstGeom>
-          <a:solidFill>
-            <a:schemeClr val="bg1">
-              <a:lumMod val="50000"/>
-            </a:schemeClr>
-          </a:solidFill>
-          <a:ln>
-            <a:solidFill>
-              <a:schemeClr val="bg1">
-                <a:lumMod val="50000"/>
-              </a:schemeClr>
-            </a:solidFill>
-          </a:ln>
-        </p:spPr>
-        <p:style>
-          <a:lnRef idx="2">
-            <a:schemeClr val="accent1">
-              <a:shade val="50000"/>
-            </a:schemeClr>
-          </a:lnRef>
-          <a:fillRef idx="1">
-            <a:schemeClr val="accent1"/>
-          </a:fillRef>
-          <a:effectRef idx="0">
-            <a:schemeClr val="accent1"/>
-          </a:effectRef>
-          <a:fontRef idx="minor">
-            <a:schemeClr val="lt1"/>
-          </a:fontRef>
-        </p:style>
-        <p:txBody>
-          <a:bodyPr rtlCol="0" anchor="ctr"/>
-          <a:lstStyle/>
-          <a:p>
-            <a:pPr algn="ctr"/>
-            <a:endParaRPr lang="en-US"/>
-          </a:p>
-        </p:txBody>
-      </p:sp>
-      <p:sp>
-        <p:nvSpPr>
-          <p:cNvPr id="134" name="TextBox 133"/>
-          <p:cNvSpPr txBox="1"/>
-          <p:nvPr/>
-        </p:nvSpPr>
-        <p:spPr>
-          <a:xfrm>
-            <a:off x="1446076" y="4202930"/>
-            <a:ext cx="1317220" cy="461665"/>
-          </a:xfrm>
-          <a:prstGeom prst="rect">
-            <a:avLst/>
-          </a:prstGeom>
-          <a:noFill/>
-        </p:spPr>
-        <p:txBody>
-          <a:bodyPr wrap="none" rtlCol="0">
-            <a:spAutoFit/>
-          </a:bodyPr>
-          <a:lstStyle/>
-          <a:p>
-            <a:r>
-              <a:rPr lang="en-US" sz="1200" dirty="0" smtClean="0">
-                <a:solidFill>
-                  <a:srgbClr val="FF0000"/>
-                </a:solidFill>
-              </a:rPr>
-              <a:t>Feed the next row</a:t>
-            </a:r>
-          </a:p>
-          <a:p>
-            <a:r>
-              <a:rPr lang="en-US" sz="1200" dirty="0" smtClean="0">
-                <a:solidFill>
-                  <a:srgbClr val="FF0000"/>
-                </a:solidFill>
-              </a:rPr>
-              <a:t>of data.</a:t>
-            </a:r>
-            <a:endParaRPr lang="en-US" sz="1200" dirty="0">
-              <a:solidFill>
-                <a:srgbClr val="FF0000"/>
-              </a:solidFill>
-            </a:endParaRPr>
-          </a:p>
-        </p:txBody>
-      </p:sp>
-      <p:cxnSp>
-        <p:nvCxnSpPr>
-          <p:cNvPr id="135" name="Straight Arrow Connector 134"/>
-          <p:cNvCxnSpPr/>
-          <p:nvPr/>
-        </p:nvCxnSpPr>
-        <p:spPr>
-          <a:xfrm flipH="1" flipV="1">
-            <a:off x="1176428" y="3909023"/>
-            <a:ext cx="318316" cy="371761"/>
-          </a:xfrm>
-          <a:prstGeom prst="straightConnector1">
-            <a:avLst/>
-          </a:prstGeom>
-          <a:ln>
-            <a:solidFill>
-              <a:srgbClr val="FF0000"/>
-            </a:solidFill>
-            <a:tailEnd type="arrow"/>
-          </a:ln>
-        </p:spPr>
-        <p:style>
-          <a:lnRef idx="1">
-            <a:schemeClr val="accent1"/>
-          </a:lnRef>
-          <a:fillRef idx="0">
-            <a:schemeClr val="accent1"/>
-          </a:fillRef>
-          <a:effectRef idx="0">
-            <a:schemeClr val="accent1"/>
-          </a:effectRef>
-          <a:fontRef idx="minor">
-            <a:schemeClr val="tx1"/>
-          </a:fontRef>
-        </p:style>
-      </p:cxnSp>
-    </p:spTree>
-    <p:extLst>
-      <p:ext uri="{BB962C8B-B14F-4D97-AF65-F5344CB8AC3E}">
-        <p14:creationId xmlns:p14="http://schemas.microsoft.com/office/powerpoint/2010/main" val="1869012846"/>
-      </p:ext>
-    </p:extLst>
-  </p:cSld>
-  <p:clrMapOvr>
-    <a:masterClrMapping/>
-  </p:clrMapOvr>
-  <p:timing>
-    <p:tnLst>
-      <p:par>
-        <p:cTn id="1" dur="indefinite" restart="never" nodeType="tmRoot"/>
-      </p:par>
-    </p:tnLst>
-  </p:timing>
-</p:sld>
-</file>
-
-<file path=ppt/slides/slide14.xml><?xml version="1.0" encoding="utf-8"?>
-<p:sld xmlns:a="http://schemas.openxmlformats.org/drawingml/2006/main" xmlns:r="http://schemas.openxmlformats.org/officeDocument/2006/relationships" xmlns:p="http://schemas.openxmlformats.org/presentationml/2006/main">
-  <p:cSld>
-    <p:spTree>
-      <p:nvGrpSpPr>
-        <p:cNvPr id="1" name=""/>
-        <p:cNvGrpSpPr/>
-        <p:nvPr/>
-      </p:nvGrpSpPr>
-      <p:grpSpPr>
-        <a:xfrm>
-          <a:off x="0" y="0"/>
-          <a:ext cx="0" cy="0"/>
-          <a:chOff x="0" y="0"/>
-          <a:chExt cx="0" cy="0"/>
-        </a:xfrm>
-      </p:grpSpPr>
-      <p:sp>
-        <p:nvSpPr>
-          <p:cNvPr id="2" name="Title 1"/>
-          <p:cNvSpPr>
-            <a:spLocks noGrp="1"/>
-          </p:cNvSpPr>
-          <p:nvPr>
-            <p:ph type="title"/>
-          </p:nvPr>
-        </p:nvSpPr>
-        <p:spPr>
-          <a:xfrm>
-            <a:off x="457200" y="274638"/>
-            <a:ext cx="8610600" cy="792162"/>
-          </a:xfrm>
-        </p:spPr>
-        <p:txBody>
-          <a:bodyPr>
-            <a:normAutofit/>
-          </a:bodyPr>
-          <a:lstStyle/>
-          <a:p>
-            <a:pPr algn="l"/>
-            <a:r>
-              <a:rPr lang="en-US" dirty="0" smtClean="0">
-                <a:solidFill>
-                  <a:schemeClr val="accent1">
-                    <a:lumMod val="75000"/>
-                  </a:schemeClr>
-                </a:solidFill>
-              </a:rPr>
-              <a:t>Feed Forward - Training</a:t>
-            </a:r>
-            <a:endParaRPr lang="en-US" dirty="0">
-              <a:solidFill>
-                <a:schemeClr val="accent1">
-                  <a:lumMod val="75000"/>
-                </a:schemeClr>
-              </a:solidFill>
-            </a:endParaRPr>
-          </a:p>
-        </p:txBody>
-      </p:sp>
-      <p:cxnSp>
-        <p:nvCxnSpPr>
-          <p:cNvPr id="5" name="Straight Connector 4"/>
-          <p:cNvCxnSpPr/>
-          <p:nvPr/>
-        </p:nvCxnSpPr>
-        <p:spPr>
-          <a:xfrm>
-            <a:off x="0" y="990600"/>
-            <a:ext cx="9144000" cy="0"/>
-          </a:xfrm>
-          <a:prstGeom prst="line">
-            <a:avLst/>
-          </a:prstGeom>
-          <a:ln w="19050"/>
-        </p:spPr>
-        <p:style>
-          <a:lnRef idx="1">
-            <a:schemeClr val="accent1"/>
-          </a:lnRef>
-          <a:fillRef idx="0">
-            <a:schemeClr val="accent1"/>
-          </a:fillRef>
-          <a:effectRef idx="0">
-            <a:schemeClr val="accent1"/>
-          </a:effectRef>
-          <a:fontRef idx="minor">
-            <a:schemeClr val="tx1"/>
-          </a:fontRef>
-        </p:style>
-      </p:cxnSp>
-      <p:sp>
-        <p:nvSpPr>
-          <p:cNvPr id="61" name="TextBox 60"/>
-          <p:cNvSpPr txBox="1"/>
-          <p:nvPr/>
-        </p:nvSpPr>
-        <p:spPr>
-          <a:xfrm>
-            <a:off x="2796893" y="1100681"/>
-            <a:ext cx="3124894" cy="400110"/>
-          </a:xfrm>
-          <a:prstGeom prst="rect">
-            <a:avLst/>
-          </a:prstGeom>
-          <a:noFill/>
-        </p:spPr>
-        <p:txBody>
-          <a:bodyPr wrap="none" rtlCol="0">
-            <a:spAutoFit/>
-          </a:bodyPr>
-          <a:lstStyle/>
-          <a:p>
-            <a:r>
-              <a:rPr lang="en-US" sz="2000" b="1" dirty="0" smtClean="0">
-                <a:solidFill>
-                  <a:srgbClr val="00B0F0"/>
-                </a:solidFill>
-              </a:rPr>
-              <a:t>Feed Forward Training Loop</a:t>
-            </a:r>
-            <a:endParaRPr lang="en-US" sz="2000" b="1" dirty="0">
-              <a:solidFill>
-                <a:srgbClr val="00B0F0"/>
-              </a:solidFill>
-            </a:endParaRPr>
-          </a:p>
-        </p:txBody>
-      </p:sp>
-      <p:sp>
-        <p:nvSpPr>
-          <p:cNvPr id="42" name="Can 41"/>
-          <p:cNvSpPr/>
-          <p:nvPr/>
-        </p:nvSpPr>
-        <p:spPr>
-          <a:xfrm>
             <a:off x="552450" y="1892735"/>
             <a:ext cx="1143000" cy="2087772"/>
           </a:xfrm>
@@ -14981,7 +12275,7 @@
 </p:sld>
 </file>
 
-<file path=ppt/slides/slide15.xml><?xml version="1.0" encoding="utf-8"?>
+<file path=ppt/slides/slide14.xml><?xml version="1.0" encoding="utf-8"?>
 <p:sld xmlns:a="http://schemas.openxmlformats.org/drawingml/2006/main" xmlns:r="http://schemas.openxmlformats.org/officeDocument/2006/relationships" xmlns:p="http://schemas.openxmlformats.org/presentationml/2006/main">
   <p:cSld>
     <p:spTree>
@@ -18468,7 +15762,7 @@
 </p:sld>
 </file>
 
-<file path=ppt/slides/slide16.xml><?xml version="1.0" encoding="utf-8"?>
+<file path=ppt/slides/slide15.xml><?xml version="1.0" encoding="utf-8"?>
 <p:sld xmlns:a="http://schemas.openxmlformats.org/drawingml/2006/main" xmlns:r="http://schemas.openxmlformats.org/officeDocument/2006/relationships" xmlns:p="http://schemas.openxmlformats.org/presentationml/2006/main">
   <p:cSld>
     <p:spTree>
@@ -18516,17 +15810,7 @@
                   </a:schemeClr>
                 </a:solidFill>
               </a:rPr>
-              <a:t>Final Note – Traini</a:t>
-            </a:r>
-            <a:r>
-              <a:rPr lang="en-US" dirty="0" smtClean="0">
-                <a:solidFill>
-                  <a:schemeClr val="accent1">
-                    <a:lumMod val="75000"/>
-                  </a:schemeClr>
-                </a:solidFill>
-              </a:rPr>
-              <a:t>ng vs. </a:t>
+              <a:t>Final Note – Training vs. </a:t>
             </a:r>
             <a:r>
               <a:rPr lang="en-US" smtClean="0">
@@ -18676,25 +15960,8 @@
                   </a:schemeClr>
                 </a:solidFill>
               </a:rPr>
-              <a:t>The model will run much faster than during training.</a:t>
-            </a:r>
-            <a:r>
-              <a:rPr lang="en-US" sz="2000" b="1" dirty="0" smtClean="0">
-                <a:solidFill>
-                  <a:schemeClr val="accent6">
-                    <a:lumMod val="75000"/>
-                  </a:schemeClr>
-                </a:solidFill>
-              </a:rPr>
-              <a:t> </a:t>
-            </a:r>
-            <a:endParaRPr lang="en-US" sz="2000" b="1" dirty="0" smtClean="0">
-              <a:solidFill>
-                <a:schemeClr val="accent6">
-                  <a:lumMod val="75000"/>
-                </a:schemeClr>
-              </a:solidFill>
-            </a:endParaRPr>
+              <a:t>The model will run much faster than during training. </a:t>
+            </a:r>
           </a:p>
         </p:txBody>
       </p:sp>
@@ -21949,11 +19216,6 @@
               </a:rPr>
               <a:t>a single value.</a:t>
             </a:r>
-            <a:endParaRPr lang="en-US" sz="1200" dirty="0" smtClean="0">
-              <a:solidFill>
-                <a:srgbClr val="FF0000"/>
-              </a:solidFill>
-            </a:endParaRPr>
           </a:p>
         </p:txBody>
       </p:sp>
@@ -22075,11 +19337,6 @@
               </a:rPr>
               <a:t>their final output.</a:t>
             </a:r>
-            <a:endParaRPr lang="en-US" sz="1200" dirty="0" smtClean="0">
-              <a:solidFill>
-                <a:srgbClr val="FF0000"/>
-              </a:solidFill>
-            </a:endParaRPr>
           </a:p>
         </p:txBody>
       </p:sp>

--- a/Presentations/ML Neural Networks.pptx
+++ b/Presentations/ML Neural Networks.pptx
@@ -206,7 +206,7 @@
           <a:p>
             <a:fld id="{FAF957FC-5175-49AC-8D2B-2F056FFFC1DD}" type="datetimeFigureOut">
               <a:rPr lang="en-US" smtClean="0"/>
-              <a:t>8/21/2017</a:t>
+              <a:t>11/19/2017</a:t>
             </a:fld>
             <a:endParaRPr lang="en-US"/>
           </a:p>
@@ -656,7 +656,7 @@
             <a:fld id="{1D8BD707-D9CF-40AE-B4C6-C98DA3205C09}" type="datetimeFigureOut">
               <a:rPr lang="en-US" smtClean="0"/>
               <a:pPr/>
-              <a:t>8/21/2017</a:t>
+              <a:t>11/19/2017</a:t>
             </a:fld>
             <a:endParaRPr lang="en-US"/>
           </a:p>
@@ -823,7 +823,7 @@
             <a:fld id="{1D8BD707-D9CF-40AE-B4C6-C98DA3205C09}" type="datetimeFigureOut">
               <a:rPr lang="en-US" smtClean="0"/>
               <a:pPr/>
-              <a:t>8/21/2017</a:t>
+              <a:t>11/19/2017</a:t>
             </a:fld>
             <a:endParaRPr lang="en-US"/>
           </a:p>
@@ -1000,7 +1000,7 @@
             <a:fld id="{1D8BD707-D9CF-40AE-B4C6-C98DA3205C09}" type="datetimeFigureOut">
               <a:rPr lang="en-US" smtClean="0"/>
               <a:pPr/>
-              <a:t>8/21/2017</a:t>
+              <a:t>11/19/2017</a:t>
             </a:fld>
             <a:endParaRPr lang="en-US"/>
           </a:p>
@@ -1167,7 +1167,7 @@
             <a:fld id="{1D8BD707-D9CF-40AE-B4C6-C98DA3205C09}" type="datetimeFigureOut">
               <a:rPr lang="en-US" smtClean="0"/>
               <a:pPr/>
-              <a:t>8/21/2017</a:t>
+              <a:t>11/19/2017</a:t>
             </a:fld>
             <a:endParaRPr lang="en-US"/>
           </a:p>
@@ -1410,7 +1410,7 @@
             <a:fld id="{1D8BD707-D9CF-40AE-B4C6-C98DA3205C09}" type="datetimeFigureOut">
               <a:rPr lang="en-US" smtClean="0"/>
               <a:pPr/>
-              <a:t>8/21/2017</a:t>
+              <a:t>11/19/2017</a:t>
             </a:fld>
             <a:endParaRPr lang="en-US"/>
           </a:p>
@@ -1695,7 +1695,7 @@
             <a:fld id="{1D8BD707-D9CF-40AE-B4C6-C98DA3205C09}" type="datetimeFigureOut">
               <a:rPr lang="en-US" smtClean="0"/>
               <a:pPr/>
-              <a:t>8/21/2017</a:t>
+              <a:t>11/19/2017</a:t>
             </a:fld>
             <a:endParaRPr lang="en-US"/>
           </a:p>
@@ -2114,7 +2114,7 @@
             <a:fld id="{1D8BD707-D9CF-40AE-B4C6-C98DA3205C09}" type="datetimeFigureOut">
               <a:rPr lang="en-US" smtClean="0"/>
               <a:pPr/>
-              <a:t>8/21/2017</a:t>
+              <a:t>11/19/2017</a:t>
             </a:fld>
             <a:endParaRPr lang="en-US"/>
           </a:p>
@@ -2229,7 +2229,7 @@
             <a:fld id="{1D8BD707-D9CF-40AE-B4C6-C98DA3205C09}" type="datetimeFigureOut">
               <a:rPr lang="en-US" smtClean="0"/>
               <a:pPr/>
-              <a:t>8/21/2017</a:t>
+              <a:t>11/19/2017</a:t>
             </a:fld>
             <a:endParaRPr lang="en-US"/>
           </a:p>
@@ -2321,7 +2321,7 @@
             <a:fld id="{1D8BD707-D9CF-40AE-B4C6-C98DA3205C09}" type="datetimeFigureOut">
               <a:rPr lang="en-US" smtClean="0"/>
               <a:pPr/>
-              <a:t>8/21/2017</a:t>
+              <a:t>11/19/2017</a:t>
             </a:fld>
             <a:endParaRPr lang="en-US"/>
           </a:p>
@@ -2595,7 +2595,7 @@
             <a:fld id="{1D8BD707-D9CF-40AE-B4C6-C98DA3205C09}" type="datetimeFigureOut">
               <a:rPr lang="en-US" smtClean="0"/>
               <a:pPr/>
-              <a:t>8/21/2017</a:t>
+              <a:t>11/19/2017</a:t>
             </a:fld>
             <a:endParaRPr lang="en-US"/>
           </a:p>
@@ -2845,7 +2845,7 @@
             <a:fld id="{1D8BD707-D9CF-40AE-B4C6-C98DA3205C09}" type="datetimeFigureOut">
               <a:rPr lang="en-US" smtClean="0"/>
               <a:pPr/>
-              <a:t>8/21/2017</a:t>
+              <a:t>11/19/2017</a:t>
             </a:fld>
             <a:endParaRPr lang="en-US"/>
           </a:p>
@@ -3055,7 +3055,7 @@
             <a:fld id="{1D8BD707-D9CF-40AE-B4C6-C98DA3205C09}" type="datetimeFigureOut">
               <a:rPr lang="en-US" smtClean="0"/>
               <a:pPr/>
-              <a:t>8/21/2017</a:t>
+              <a:t>11/19/2017</a:t>
             </a:fld>
             <a:endParaRPr lang="en-US"/>
           </a:p>
@@ -3490,8 +3490,15 @@
                   </a:schemeClr>
                 </a:solidFill>
               </a:rPr>
-              <a:t>Portland Data Science Group</a:t>
-            </a:r>
+              <a:t>Artificial Intelligence Training</a:t>
+            </a:r>
+            <a:endParaRPr lang="en-US" sz="2400" dirty="0" smtClean="0">
+              <a:solidFill>
+                <a:schemeClr val="accent1">
+                  <a:lumMod val="75000"/>
+                </a:schemeClr>
+              </a:solidFill>
+            </a:endParaRPr>
           </a:p>
           <a:p>
             <a:r>
@@ -3544,35 +3551,24 @@
               </a:rPr>
             </a:br>
             <a:r>
-              <a:rPr lang="en-US" sz="2400" dirty="0">
+              <a:rPr lang="en-US" sz="2400" dirty="0" smtClean="0">
                 <a:solidFill>
                   <a:schemeClr val="accent1">
                     <a:lumMod val="75000"/>
                   </a:schemeClr>
                 </a:solidFill>
               </a:rPr>
-              <a:t>Community Outreach </a:t>
-            </a:r>
-            <a:r>
-              <a:rPr lang="en-US" sz="2400" dirty="0" smtClean="0">
-                <a:solidFill>
-                  <a:schemeClr val="accent1">
-                    <a:lumMod val="75000"/>
-                  </a:schemeClr>
-                </a:solidFill>
-              </a:rPr>
-              <a:t>Officer</a:t>
-            </a:r>
-            <a:r>
-              <a:rPr lang="en-US" sz="2400" dirty="0" smtClean="0"/>
-              <a:t/>
-            </a:r>
-            <a:br>
-              <a:rPr lang="en-US" sz="2400" dirty="0" smtClean="0"/>
-            </a:br>
+              <a:t>Instructor</a:t>
+            </a:r>
+          </a:p>
+          <a:p>
             <a:r>
               <a:rPr lang="en-US" sz="1800" dirty="0" smtClean="0"/>
-              <a:t>August, 2017</a:t>
+              <a:t>August</a:t>
+            </a:r>
+            <a:r>
+              <a:rPr lang="en-US" sz="1800" dirty="0" smtClean="0"/>
+              <a:t>, 2017</a:t>
             </a:r>
             <a:endParaRPr lang="en-US" sz="1800" dirty="0"/>
           </a:p>
@@ -3768,7 +3764,27 @@
                   </a:schemeClr>
                 </a:solidFill>
               </a:rPr>
-              <a:t>Deep Neural Network (FCNN)</a:t>
+              <a:t>Deep Neural Network </a:t>
+            </a:r>
+            <a:r>
+              <a:rPr lang="en-US" dirty="0" smtClean="0">
+                <a:solidFill>
+                  <a:schemeClr val="accent1">
+                    <a:lumMod val="75000"/>
+                  </a:schemeClr>
+                </a:solidFill>
+              </a:rPr>
+              <a:t>(DNN</a:t>
+            </a:r>
+            <a:r>
+              <a:rPr lang="en-US" dirty="0" smtClean="0">
+                <a:solidFill>
+                  <a:schemeClr val="accent1">
+                    <a:lumMod val="75000"/>
+                  </a:schemeClr>
+                </a:solidFill>
+              </a:rPr>
+              <a:t>)</a:t>
             </a:r>
             <a:endParaRPr lang="en-US" dirty="0">
               <a:solidFill>
@@ -17936,10 +17952,8 @@
                   </a:schemeClr>
                 </a:solidFill>
               </a:rPr>
-              <a:t>Real value</a:t>
-            </a:r>
-          </a:p>
-          <a:p>
+              <a:t>Real </a:t>
+            </a:r>
             <a:r>
               <a:rPr lang="en-US" sz="1200" dirty="0" smtClean="0">
                 <a:solidFill>
@@ -17948,8 +17962,15 @@
                   </a:schemeClr>
                 </a:solidFill>
               </a:rPr>
-              <a:t>Probability</a:t>
-            </a:r>
+              <a:t>value,</a:t>
+            </a:r>
+            <a:endParaRPr lang="en-US" sz="1200" dirty="0" smtClean="0">
+              <a:solidFill>
+                <a:schemeClr val="accent6">
+                  <a:lumMod val="75000"/>
+                </a:schemeClr>
+              </a:solidFill>
+            </a:endParaRPr>
           </a:p>
           <a:p>
             <a:r>
@@ -17960,8 +17981,34 @@
                   </a:schemeClr>
                 </a:solidFill>
               </a:rPr>
-              <a:t>Binary</a:t>
-            </a:r>
+              <a:t>Probability,</a:t>
+            </a:r>
+            <a:endParaRPr lang="en-US" sz="1200" dirty="0" smtClean="0">
+              <a:solidFill>
+                <a:schemeClr val="accent6">
+                  <a:lumMod val="75000"/>
+                </a:schemeClr>
+              </a:solidFill>
+            </a:endParaRPr>
+          </a:p>
+          <a:p>
+            <a:r>
+              <a:rPr lang="en-US" sz="1200" dirty="0" smtClean="0">
+                <a:solidFill>
+                  <a:schemeClr val="accent6">
+                    <a:lumMod val="75000"/>
+                  </a:schemeClr>
+                </a:solidFill>
+              </a:rPr>
+              <a:t>Binary,</a:t>
+            </a:r>
+            <a:endParaRPr lang="en-US" sz="1200" dirty="0" smtClean="0">
+              <a:solidFill>
+                <a:schemeClr val="accent6">
+                  <a:lumMod val="75000"/>
+                </a:schemeClr>
+              </a:solidFill>
+            </a:endParaRPr>
           </a:p>
           <a:p>
             <a:r>
@@ -21229,7 +21276,17 @@
                   </a:schemeClr>
                 </a:solidFill>
               </a:rPr>
-              <a:t>Threshold – Either a zero or one is outputted (binary).</a:t>
+              <a:t>Threshold (Step) </a:t>
+            </a:r>
+            <a:r>
+              <a:rPr lang="en-US" sz="2400" b="1" dirty="0" smtClean="0">
+                <a:solidFill>
+                  <a:schemeClr val="accent6">
+                    <a:lumMod val="75000"/>
+                  </a:schemeClr>
+                </a:solidFill>
+              </a:rPr>
+              <a:t>– Either a zero or one is outputted (binary).</a:t>
             </a:r>
             <a:r>
               <a:rPr lang="en-US" sz="2000" b="1" dirty="0" smtClean="0">
@@ -21417,13 +21474,29 @@
           <a:p>
             <a:r>
               <a:rPr lang="en-US" sz="2000" dirty="0" smtClean="0"/>
-              <a:t>1 if x ≥ 0</a:t>
-            </a:r>
-          </a:p>
-          <a:p>
+              <a:t>1 if x </a:t>
+            </a:r>
             <a:r>
               <a:rPr lang="en-US" sz="2000" dirty="0" smtClean="0"/>
-              <a:t>0 if x &lt; 0</a:t>
+              <a:t>&gt; </a:t>
+            </a:r>
+            <a:r>
+              <a:rPr lang="en-US" sz="2000" dirty="0" smtClean="0"/>
+              <a:t>0</a:t>
+            </a:r>
+          </a:p>
+          <a:p>
+            <a:r>
+              <a:rPr lang="en-US" sz="2000" dirty="0" smtClean="0"/>
+              <a:t>0 if x </a:t>
+            </a:r>
+            <a:r>
+              <a:rPr lang="en-US" sz="2000" dirty="0" smtClean="0"/>
+              <a:t>≤ </a:t>
+            </a:r>
+            <a:r>
+              <a:rPr lang="en-US" sz="2000" dirty="0" smtClean="0"/>
+              <a:t>0</a:t>
             </a:r>
             <a:endParaRPr lang="en-US" sz="2000" dirty="0"/>
           </a:p>
@@ -21726,12 +21799,28 @@
           </a:p>
           <a:p>
             <a:r>
+              <a:rPr lang="en-US" sz="1200" dirty="0">
+                <a:solidFill>
+                  <a:srgbClr val="FF0000"/>
+                </a:solidFill>
+              </a:rPr>
+              <a:t>s</a:t>
+            </a:r>
+            <a:r>
               <a:rPr lang="en-US" sz="1200" dirty="0" smtClean="0">
                 <a:solidFill>
                   <a:srgbClr val="FF0000"/>
                 </a:solidFill>
               </a:rPr>
-              <a:t>Squashing the output </a:t>
+              <a:t>quashing </a:t>
+            </a:r>
+            <a:r>
+              <a:rPr lang="en-US" sz="1200" dirty="0" smtClean="0">
+                <a:solidFill>
+                  <a:srgbClr val="FF0000"/>
+                </a:solidFill>
+              </a:rPr>
+              <a:t>the output </a:t>
             </a:r>
             <a:br>
               <a:rPr lang="en-US" sz="1200" dirty="0" smtClean="0">
@@ -22665,7 +22754,15 @@
                   <a:srgbClr val="FF0000"/>
                 </a:solidFill>
               </a:rPr>
-              <a:t>Squashing the output </a:t>
+              <a:t>squashing </a:t>
+            </a:r>
+            <a:r>
+              <a:rPr lang="en-US" sz="1200" dirty="0" smtClean="0">
+                <a:solidFill>
+                  <a:srgbClr val="FF0000"/>
+                </a:solidFill>
+              </a:rPr>
+              <a:t>the output </a:t>
             </a:r>
             <a:br>
               <a:rPr lang="en-US" sz="1200" dirty="0" smtClean="0">
@@ -22714,8 +22811,8 @@
         </p:nvCxnSpPr>
         <p:spPr>
           <a:xfrm flipV="1">
-            <a:off x="1981200" y="5708236"/>
-            <a:ext cx="945177" cy="648630"/>
+            <a:off x="2020273" y="5791200"/>
+            <a:ext cx="945177" cy="553989"/>
           </a:xfrm>
           <a:prstGeom prst="straightConnector1">
             <a:avLst/>
